--- a/SupportFiles/Workflow.pptx
+++ b/SupportFiles/Workflow.pptx
@@ -6,6 +6,7 @@
   </p:sldMasterIdLst>
   <p:sldIdLst>
     <p:sldId id="256" r:id="rId2"/>
+    <p:sldId id="257" r:id="rId3"/>
   </p:sldIdLst>
   <p:sldSz cx="12192000" cy="6858000"/>
   <p:notesSz cx="6858000" cy="9144000"/>
@@ -104,6 +105,11 @@
       </a:defRPr>
     </a:lvl9pPr>
   </p:defaultTextStyle>
+  <p:extLst>
+    <p:ext uri="{EFAFB233-063F-42B5-8137-9DF3F51BA10A}">
+      <p15:sldGuideLst xmlns:p15="http://schemas.microsoft.com/office/powerpoint/2012/main"/>
+    </p:ext>
+  </p:extLst>
 </p:presentation>
 </file>
 
@@ -129,7 +135,7 @@
           <p:cNvPr id="2" name="Title 1">
             <a:extLst>
               <a:ext uri="{FF2B5EF4-FFF2-40B4-BE49-F238E27FC236}">
-                <a16:creationId xmlns:a16="http://schemas.microsoft.com/office/drawing/2014/main" id="{6CA90414-3AD8-48C4-8A85-12C837534D89}"/>
+                <a16:creationId xmlns:a16="http://schemas.microsoft.com/office/drawing/2014/main" xmlns="" id="{6CA90414-3AD8-48C4-8A85-12C837534D89}"/>
               </a:ext>
             </a:extLst>
           </p:cNvPr>
@@ -167,7 +173,7 @@
           <p:cNvPr id="3" name="Subtitle 2">
             <a:extLst>
               <a:ext uri="{FF2B5EF4-FFF2-40B4-BE49-F238E27FC236}">
-                <a16:creationId xmlns:a16="http://schemas.microsoft.com/office/drawing/2014/main" id="{71A98772-2B70-4D62-B008-8F0CAFF53EC5}"/>
+                <a16:creationId xmlns:a16="http://schemas.microsoft.com/office/drawing/2014/main" xmlns="" id="{71A98772-2B70-4D62-B008-8F0CAFF53EC5}"/>
               </a:ext>
             </a:extLst>
           </p:cNvPr>
@@ -238,7 +244,7 @@
           <p:cNvPr id="4" name="Date Placeholder 3">
             <a:extLst>
               <a:ext uri="{FF2B5EF4-FFF2-40B4-BE49-F238E27FC236}">
-                <a16:creationId xmlns:a16="http://schemas.microsoft.com/office/drawing/2014/main" id="{956CD88A-A812-4ECE-B4D4-EED129E18CBE}"/>
+                <a16:creationId xmlns:a16="http://schemas.microsoft.com/office/drawing/2014/main" xmlns="" id="{956CD88A-A812-4ECE-B4D4-EED129E18CBE}"/>
               </a:ext>
             </a:extLst>
           </p:cNvPr>
@@ -256,7 +262,7 @@
           <a:p>
             <a:fld id="{1CF1F812-BBCA-48DC-B42F-E47B5C3EB325}" type="datetimeFigureOut">
               <a:rPr lang="en-GB" smtClean="0"/>
-              <a:t>15/03/2022</a:t>
+              <a:t>31/03/2022</a:t>
             </a:fld>
             <a:endParaRPr lang="en-GB"/>
           </a:p>
@@ -267,7 +273,7 @@
           <p:cNvPr id="5" name="Footer Placeholder 4">
             <a:extLst>
               <a:ext uri="{FF2B5EF4-FFF2-40B4-BE49-F238E27FC236}">
-                <a16:creationId xmlns:a16="http://schemas.microsoft.com/office/drawing/2014/main" id="{7896EE8D-B474-4315-A9F4-01118140C259}"/>
+                <a16:creationId xmlns:a16="http://schemas.microsoft.com/office/drawing/2014/main" xmlns="" id="{7896EE8D-B474-4315-A9F4-01118140C259}"/>
               </a:ext>
             </a:extLst>
           </p:cNvPr>
@@ -292,7 +298,7 @@
           <p:cNvPr id="6" name="Slide Number Placeholder 5">
             <a:extLst>
               <a:ext uri="{FF2B5EF4-FFF2-40B4-BE49-F238E27FC236}">
-                <a16:creationId xmlns:a16="http://schemas.microsoft.com/office/drawing/2014/main" id="{F58EEA12-E4CB-4917-B0AE-A3ED2D053FD3}"/>
+                <a16:creationId xmlns:a16="http://schemas.microsoft.com/office/drawing/2014/main" xmlns="" id="{F58EEA12-E4CB-4917-B0AE-A3ED2D053FD3}"/>
               </a:ext>
             </a:extLst>
           </p:cNvPr>
@@ -351,7 +357,7 @@
           <p:cNvPr id="2" name="Title 1">
             <a:extLst>
               <a:ext uri="{FF2B5EF4-FFF2-40B4-BE49-F238E27FC236}">
-                <a16:creationId xmlns:a16="http://schemas.microsoft.com/office/drawing/2014/main" id="{0C46B241-F45D-4E2B-83CB-E8DACB2A01DE}"/>
+                <a16:creationId xmlns:a16="http://schemas.microsoft.com/office/drawing/2014/main" xmlns="" id="{0C46B241-F45D-4E2B-83CB-E8DACB2A01DE}"/>
               </a:ext>
             </a:extLst>
           </p:cNvPr>
@@ -380,7 +386,7 @@
           <p:cNvPr id="3" name="Vertical Text Placeholder 2">
             <a:extLst>
               <a:ext uri="{FF2B5EF4-FFF2-40B4-BE49-F238E27FC236}">
-                <a16:creationId xmlns:a16="http://schemas.microsoft.com/office/drawing/2014/main" id="{8E253A56-B065-4FDF-9CEF-E589877BB74A}"/>
+                <a16:creationId xmlns:a16="http://schemas.microsoft.com/office/drawing/2014/main" xmlns="" id="{8E253A56-B065-4FDF-9CEF-E589877BB74A}"/>
               </a:ext>
             </a:extLst>
           </p:cNvPr>
@@ -438,7 +444,7 @@
           <p:cNvPr id="4" name="Date Placeholder 3">
             <a:extLst>
               <a:ext uri="{FF2B5EF4-FFF2-40B4-BE49-F238E27FC236}">
-                <a16:creationId xmlns:a16="http://schemas.microsoft.com/office/drawing/2014/main" id="{C1FC7A60-9118-4A7E-897D-B77CB04B5071}"/>
+                <a16:creationId xmlns:a16="http://schemas.microsoft.com/office/drawing/2014/main" xmlns="" id="{C1FC7A60-9118-4A7E-897D-B77CB04B5071}"/>
               </a:ext>
             </a:extLst>
           </p:cNvPr>
@@ -456,7 +462,7 @@
           <a:p>
             <a:fld id="{1CF1F812-BBCA-48DC-B42F-E47B5C3EB325}" type="datetimeFigureOut">
               <a:rPr lang="en-GB" smtClean="0"/>
-              <a:t>15/03/2022</a:t>
+              <a:t>31/03/2022</a:t>
             </a:fld>
             <a:endParaRPr lang="en-GB"/>
           </a:p>
@@ -467,7 +473,7 @@
           <p:cNvPr id="5" name="Footer Placeholder 4">
             <a:extLst>
               <a:ext uri="{FF2B5EF4-FFF2-40B4-BE49-F238E27FC236}">
-                <a16:creationId xmlns:a16="http://schemas.microsoft.com/office/drawing/2014/main" id="{3E4DA221-06E0-487F-9C91-9E6DDE4436FF}"/>
+                <a16:creationId xmlns:a16="http://schemas.microsoft.com/office/drawing/2014/main" xmlns="" id="{3E4DA221-06E0-487F-9C91-9E6DDE4436FF}"/>
               </a:ext>
             </a:extLst>
           </p:cNvPr>
@@ -492,7 +498,7 @@
           <p:cNvPr id="6" name="Slide Number Placeholder 5">
             <a:extLst>
               <a:ext uri="{FF2B5EF4-FFF2-40B4-BE49-F238E27FC236}">
-                <a16:creationId xmlns:a16="http://schemas.microsoft.com/office/drawing/2014/main" id="{CE1D43CF-D673-414C-9DDA-3FCC83E61459}"/>
+                <a16:creationId xmlns:a16="http://schemas.microsoft.com/office/drawing/2014/main" xmlns="" id="{CE1D43CF-D673-414C-9DDA-3FCC83E61459}"/>
               </a:ext>
             </a:extLst>
           </p:cNvPr>
@@ -551,7 +557,7 @@
           <p:cNvPr id="2" name="Vertical Title 1">
             <a:extLst>
               <a:ext uri="{FF2B5EF4-FFF2-40B4-BE49-F238E27FC236}">
-                <a16:creationId xmlns:a16="http://schemas.microsoft.com/office/drawing/2014/main" id="{3FADCEA3-C1F9-453A-A116-C4A8BA1C7F66}"/>
+                <a16:creationId xmlns:a16="http://schemas.microsoft.com/office/drawing/2014/main" xmlns="" id="{3FADCEA3-C1F9-453A-A116-C4A8BA1C7F66}"/>
               </a:ext>
             </a:extLst>
           </p:cNvPr>
@@ -585,7 +591,7 @@
           <p:cNvPr id="3" name="Vertical Text Placeholder 2">
             <a:extLst>
               <a:ext uri="{FF2B5EF4-FFF2-40B4-BE49-F238E27FC236}">
-                <a16:creationId xmlns:a16="http://schemas.microsoft.com/office/drawing/2014/main" id="{53B8D0D9-1B69-4125-A728-6A8B496C5BB7}"/>
+                <a16:creationId xmlns:a16="http://schemas.microsoft.com/office/drawing/2014/main" xmlns="" id="{53B8D0D9-1B69-4125-A728-6A8B496C5BB7}"/>
               </a:ext>
             </a:extLst>
           </p:cNvPr>
@@ -648,7 +654,7 @@
           <p:cNvPr id="4" name="Date Placeholder 3">
             <a:extLst>
               <a:ext uri="{FF2B5EF4-FFF2-40B4-BE49-F238E27FC236}">
-                <a16:creationId xmlns:a16="http://schemas.microsoft.com/office/drawing/2014/main" id="{E59CD0DF-6B17-4880-8020-0CC429E5F38C}"/>
+                <a16:creationId xmlns:a16="http://schemas.microsoft.com/office/drawing/2014/main" xmlns="" id="{E59CD0DF-6B17-4880-8020-0CC429E5F38C}"/>
               </a:ext>
             </a:extLst>
           </p:cNvPr>
@@ -666,7 +672,7 @@
           <a:p>
             <a:fld id="{1CF1F812-BBCA-48DC-B42F-E47B5C3EB325}" type="datetimeFigureOut">
               <a:rPr lang="en-GB" smtClean="0"/>
-              <a:t>15/03/2022</a:t>
+              <a:t>31/03/2022</a:t>
             </a:fld>
             <a:endParaRPr lang="en-GB"/>
           </a:p>
@@ -677,7 +683,7 @@
           <p:cNvPr id="5" name="Footer Placeholder 4">
             <a:extLst>
               <a:ext uri="{FF2B5EF4-FFF2-40B4-BE49-F238E27FC236}">
-                <a16:creationId xmlns:a16="http://schemas.microsoft.com/office/drawing/2014/main" id="{2C454CF8-FF67-4DC8-8177-2001CCFD0C86}"/>
+                <a16:creationId xmlns:a16="http://schemas.microsoft.com/office/drawing/2014/main" xmlns="" id="{2C454CF8-FF67-4DC8-8177-2001CCFD0C86}"/>
               </a:ext>
             </a:extLst>
           </p:cNvPr>
@@ -702,7 +708,7 @@
           <p:cNvPr id="6" name="Slide Number Placeholder 5">
             <a:extLst>
               <a:ext uri="{FF2B5EF4-FFF2-40B4-BE49-F238E27FC236}">
-                <a16:creationId xmlns:a16="http://schemas.microsoft.com/office/drawing/2014/main" id="{35BEE4FF-AF99-4722-B354-C44CFD5CF569}"/>
+                <a16:creationId xmlns:a16="http://schemas.microsoft.com/office/drawing/2014/main" xmlns="" id="{35BEE4FF-AF99-4722-B354-C44CFD5CF569}"/>
               </a:ext>
             </a:extLst>
           </p:cNvPr>
@@ -761,7 +767,7 @@
           <p:cNvPr id="2" name="Title 1">
             <a:extLst>
               <a:ext uri="{FF2B5EF4-FFF2-40B4-BE49-F238E27FC236}">
-                <a16:creationId xmlns:a16="http://schemas.microsoft.com/office/drawing/2014/main" id="{E32F84C3-1D76-4584-B423-D9B40C097BEE}"/>
+                <a16:creationId xmlns:a16="http://schemas.microsoft.com/office/drawing/2014/main" xmlns="" id="{E32F84C3-1D76-4584-B423-D9B40C097BEE}"/>
               </a:ext>
             </a:extLst>
           </p:cNvPr>
@@ -790,7 +796,7 @@
           <p:cNvPr id="3" name="Content Placeholder 2">
             <a:extLst>
               <a:ext uri="{FF2B5EF4-FFF2-40B4-BE49-F238E27FC236}">
-                <a16:creationId xmlns:a16="http://schemas.microsoft.com/office/drawing/2014/main" id="{B86257A5-7D89-4B60-A721-C841CFBE77FE}"/>
+                <a16:creationId xmlns:a16="http://schemas.microsoft.com/office/drawing/2014/main" xmlns="" id="{B86257A5-7D89-4B60-A721-C841CFBE77FE}"/>
               </a:ext>
             </a:extLst>
           </p:cNvPr>
@@ -848,7 +854,7 @@
           <p:cNvPr id="4" name="Date Placeholder 3">
             <a:extLst>
               <a:ext uri="{FF2B5EF4-FFF2-40B4-BE49-F238E27FC236}">
-                <a16:creationId xmlns:a16="http://schemas.microsoft.com/office/drawing/2014/main" id="{81D18F9C-FDF9-404A-A7C5-3B033014C67A}"/>
+                <a16:creationId xmlns:a16="http://schemas.microsoft.com/office/drawing/2014/main" xmlns="" id="{81D18F9C-FDF9-404A-A7C5-3B033014C67A}"/>
               </a:ext>
             </a:extLst>
           </p:cNvPr>
@@ -866,7 +872,7 @@
           <a:p>
             <a:fld id="{1CF1F812-BBCA-48DC-B42F-E47B5C3EB325}" type="datetimeFigureOut">
               <a:rPr lang="en-GB" smtClean="0"/>
-              <a:t>15/03/2022</a:t>
+              <a:t>31/03/2022</a:t>
             </a:fld>
             <a:endParaRPr lang="en-GB"/>
           </a:p>
@@ -877,7 +883,7 @@
           <p:cNvPr id="5" name="Footer Placeholder 4">
             <a:extLst>
               <a:ext uri="{FF2B5EF4-FFF2-40B4-BE49-F238E27FC236}">
-                <a16:creationId xmlns:a16="http://schemas.microsoft.com/office/drawing/2014/main" id="{35A9E056-374B-4DE5-BF90-61D30B7C54F0}"/>
+                <a16:creationId xmlns:a16="http://schemas.microsoft.com/office/drawing/2014/main" xmlns="" id="{35A9E056-374B-4DE5-BF90-61D30B7C54F0}"/>
               </a:ext>
             </a:extLst>
           </p:cNvPr>
@@ -902,7 +908,7 @@
           <p:cNvPr id="6" name="Slide Number Placeholder 5">
             <a:extLst>
               <a:ext uri="{FF2B5EF4-FFF2-40B4-BE49-F238E27FC236}">
-                <a16:creationId xmlns:a16="http://schemas.microsoft.com/office/drawing/2014/main" id="{91BC67FD-6569-4D63-945D-1D8EA6F6B75C}"/>
+                <a16:creationId xmlns:a16="http://schemas.microsoft.com/office/drawing/2014/main" xmlns="" id="{91BC67FD-6569-4D63-945D-1D8EA6F6B75C}"/>
               </a:ext>
             </a:extLst>
           </p:cNvPr>
@@ -961,7 +967,7 @@
           <p:cNvPr id="2" name="Title 1">
             <a:extLst>
               <a:ext uri="{FF2B5EF4-FFF2-40B4-BE49-F238E27FC236}">
-                <a16:creationId xmlns:a16="http://schemas.microsoft.com/office/drawing/2014/main" id="{024F0587-AF12-470D-B75A-7AE8D16A09EA}"/>
+                <a16:creationId xmlns:a16="http://schemas.microsoft.com/office/drawing/2014/main" xmlns="" id="{024F0587-AF12-470D-B75A-7AE8D16A09EA}"/>
               </a:ext>
             </a:extLst>
           </p:cNvPr>
@@ -999,7 +1005,7 @@
           <p:cNvPr id="3" name="Text Placeholder 2">
             <a:extLst>
               <a:ext uri="{FF2B5EF4-FFF2-40B4-BE49-F238E27FC236}">
-                <a16:creationId xmlns:a16="http://schemas.microsoft.com/office/drawing/2014/main" id="{0A297509-490D-4FB9-B56D-C9BE1CAF3672}"/>
+                <a16:creationId xmlns:a16="http://schemas.microsoft.com/office/drawing/2014/main" xmlns="" id="{0A297509-490D-4FB9-B56D-C9BE1CAF3672}"/>
               </a:ext>
             </a:extLst>
           </p:cNvPr>
@@ -1124,7 +1130,7 @@
           <p:cNvPr id="4" name="Date Placeholder 3">
             <a:extLst>
               <a:ext uri="{FF2B5EF4-FFF2-40B4-BE49-F238E27FC236}">
-                <a16:creationId xmlns:a16="http://schemas.microsoft.com/office/drawing/2014/main" id="{2D2CD724-D873-40ED-80C9-19B2AC0F7CD7}"/>
+                <a16:creationId xmlns:a16="http://schemas.microsoft.com/office/drawing/2014/main" xmlns="" id="{2D2CD724-D873-40ED-80C9-19B2AC0F7CD7}"/>
               </a:ext>
             </a:extLst>
           </p:cNvPr>
@@ -1142,7 +1148,7 @@
           <a:p>
             <a:fld id="{1CF1F812-BBCA-48DC-B42F-E47B5C3EB325}" type="datetimeFigureOut">
               <a:rPr lang="en-GB" smtClean="0"/>
-              <a:t>15/03/2022</a:t>
+              <a:t>31/03/2022</a:t>
             </a:fld>
             <a:endParaRPr lang="en-GB"/>
           </a:p>
@@ -1153,7 +1159,7 @@
           <p:cNvPr id="5" name="Footer Placeholder 4">
             <a:extLst>
               <a:ext uri="{FF2B5EF4-FFF2-40B4-BE49-F238E27FC236}">
-                <a16:creationId xmlns:a16="http://schemas.microsoft.com/office/drawing/2014/main" id="{28F5FE5B-D06F-4F58-8ADF-23B05B3E281F}"/>
+                <a16:creationId xmlns:a16="http://schemas.microsoft.com/office/drawing/2014/main" xmlns="" id="{28F5FE5B-D06F-4F58-8ADF-23B05B3E281F}"/>
               </a:ext>
             </a:extLst>
           </p:cNvPr>
@@ -1178,7 +1184,7 @@
           <p:cNvPr id="6" name="Slide Number Placeholder 5">
             <a:extLst>
               <a:ext uri="{FF2B5EF4-FFF2-40B4-BE49-F238E27FC236}">
-                <a16:creationId xmlns:a16="http://schemas.microsoft.com/office/drawing/2014/main" id="{10E36751-A144-485C-8706-8CAD591C7978}"/>
+                <a16:creationId xmlns:a16="http://schemas.microsoft.com/office/drawing/2014/main" xmlns="" id="{10E36751-A144-485C-8706-8CAD591C7978}"/>
               </a:ext>
             </a:extLst>
           </p:cNvPr>
@@ -1237,7 +1243,7 @@
           <p:cNvPr id="2" name="Title 1">
             <a:extLst>
               <a:ext uri="{FF2B5EF4-FFF2-40B4-BE49-F238E27FC236}">
-                <a16:creationId xmlns:a16="http://schemas.microsoft.com/office/drawing/2014/main" id="{4FF5EF8F-8100-4C60-858C-A6B9BC80A3BE}"/>
+                <a16:creationId xmlns:a16="http://schemas.microsoft.com/office/drawing/2014/main" xmlns="" id="{4FF5EF8F-8100-4C60-858C-A6B9BC80A3BE}"/>
               </a:ext>
             </a:extLst>
           </p:cNvPr>
@@ -1266,7 +1272,7 @@
           <p:cNvPr id="3" name="Content Placeholder 2">
             <a:extLst>
               <a:ext uri="{FF2B5EF4-FFF2-40B4-BE49-F238E27FC236}">
-                <a16:creationId xmlns:a16="http://schemas.microsoft.com/office/drawing/2014/main" id="{2667E074-C0F3-476A-80C1-03F2989B55CB}"/>
+                <a16:creationId xmlns:a16="http://schemas.microsoft.com/office/drawing/2014/main" xmlns="" id="{2667E074-C0F3-476A-80C1-03F2989B55CB}"/>
               </a:ext>
             </a:extLst>
           </p:cNvPr>
@@ -1329,7 +1335,7 @@
           <p:cNvPr id="4" name="Content Placeholder 3">
             <a:extLst>
               <a:ext uri="{FF2B5EF4-FFF2-40B4-BE49-F238E27FC236}">
-                <a16:creationId xmlns:a16="http://schemas.microsoft.com/office/drawing/2014/main" id="{4DF78CB2-D905-4833-9953-F92CE211CD92}"/>
+                <a16:creationId xmlns:a16="http://schemas.microsoft.com/office/drawing/2014/main" xmlns="" id="{4DF78CB2-D905-4833-9953-F92CE211CD92}"/>
               </a:ext>
             </a:extLst>
           </p:cNvPr>
@@ -1392,7 +1398,7 @@
           <p:cNvPr id="5" name="Date Placeholder 4">
             <a:extLst>
               <a:ext uri="{FF2B5EF4-FFF2-40B4-BE49-F238E27FC236}">
-                <a16:creationId xmlns:a16="http://schemas.microsoft.com/office/drawing/2014/main" id="{766D2FE8-C528-4DDB-BAE7-E1D00D497F7F}"/>
+                <a16:creationId xmlns:a16="http://schemas.microsoft.com/office/drawing/2014/main" xmlns="" id="{766D2FE8-C528-4DDB-BAE7-E1D00D497F7F}"/>
               </a:ext>
             </a:extLst>
           </p:cNvPr>
@@ -1410,7 +1416,7 @@
           <a:p>
             <a:fld id="{1CF1F812-BBCA-48DC-B42F-E47B5C3EB325}" type="datetimeFigureOut">
               <a:rPr lang="en-GB" smtClean="0"/>
-              <a:t>15/03/2022</a:t>
+              <a:t>31/03/2022</a:t>
             </a:fld>
             <a:endParaRPr lang="en-GB"/>
           </a:p>
@@ -1421,7 +1427,7 @@
           <p:cNvPr id="6" name="Footer Placeholder 5">
             <a:extLst>
               <a:ext uri="{FF2B5EF4-FFF2-40B4-BE49-F238E27FC236}">
-                <a16:creationId xmlns:a16="http://schemas.microsoft.com/office/drawing/2014/main" id="{13FB040B-D5A7-4776-A5BF-60BFDCD52781}"/>
+                <a16:creationId xmlns:a16="http://schemas.microsoft.com/office/drawing/2014/main" xmlns="" id="{13FB040B-D5A7-4776-A5BF-60BFDCD52781}"/>
               </a:ext>
             </a:extLst>
           </p:cNvPr>
@@ -1446,7 +1452,7 @@
           <p:cNvPr id="7" name="Slide Number Placeholder 6">
             <a:extLst>
               <a:ext uri="{FF2B5EF4-FFF2-40B4-BE49-F238E27FC236}">
-                <a16:creationId xmlns:a16="http://schemas.microsoft.com/office/drawing/2014/main" id="{7A64EA38-DCAF-445D-9EB5-F9662A35EF2E}"/>
+                <a16:creationId xmlns:a16="http://schemas.microsoft.com/office/drawing/2014/main" xmlns="" id="{7A64EA38-DCAF-445D-9EB5-F9662A35EF2E}"/>
               </a:ext>
             </a:extLst>
           </p:cNvPr>
@@ -1505,7 +1511,7 @@
           <p:cNvPr id="2" name="Title 1">
             <a:extLst>
               <a:ext uri="{FF2B5EF4-FFF2-40B4-BE49-F238E27FC236}">
-                <a16:creationId xmlns:a16="http://schemas.microsoft.com/office/drawing/2014/main" id="{2A89D653-4C0B-470B-B7EC-1F8FDBB525B4}"/>
+                <a16:creationId xmlns:a16="http://schemas.microsoft.com/office/drawing/2014/main" xmlns="" id="{2A89D653-4C0B-470B-B7EC-1F8FDBB525B4}"/>
               </a:ext>
             </a:extLst>
           </p:cNvPr>
@@ -1539,7 +1545,7 @@
           <p:cNvPr id="3" name="Text Placeholder 2">
             <a:extLst>
               <a:ext uri="{FF2B5EF4-FFF2-40B4-BE49-F238E27FC236}">
-                <a16:creationId xmlns:a16="http://schemas.microsoft.com/office/drawing/2014/main" id="{1D78FDDA-5E14-4C86-8A85-D074B2F1935B}"/>
+                <a16:creationId xmlns:a16="http://schemas.microsoft.com/office/drawing/2014/main" xmlns="" id="{1D78FDDA-5E14-4C86-8A85-D074B2F1935B}"/>
               </a:ext>
             </a:extLst>
           </p:cNvPr>
@@ -1610,7 +1616,7 @@
           <p:cNvPr id="4" name="Content Placeholder 3">
             <a:extLst>
               <a:ext uri="{FF2B5EF4-FFF2-40B4-BE49-F238E27FC236}">
-                <a16:creationId xmlns:a16="http://schemas.microsoft.com/office/drawing/2014/main" id="{F25D4047-15A8-4207-BC47-A0E310751579}"/>
+                <a16:creationId xmlns:a16="http://schemas.microsoft.com/office/drawing/2014/main" xmlns="" id="{F25D4047-15A8-4207-BC47-A0E310751579}"/>
               </a:ext>
             </a:extLst>
           </p:cNvPr>
@@ -1673,7 +1679,7 @@
           <p:cNvPr id="5" name="Text Placeholder 4">
             <a:extLst>
               <a:ext uri="{FF2B5EF4-FFF2-40B4-BE49-F238E27FC236}">
-                <a16:creationId xmlns:a16="http://schemas.microsoft.com/office/drawing/2014/main" id="{1328465D-9428-4A01-8917-470F99EB6862}"/>
+                <a16:creationId xmlns:a16="http://schemas.microsoft.com/office/drawing/2014/main" xmlns="" id="{1328465D-9428-4A01-8917-470F99EB6862}"/>
               </a:ext>
             </a:extLst>
           </p:cNvPr>
@@ -1744,7 +1750,7 @@
           <p:cNvPr id="6" name="Content Placeholder 5">
             <a:extLst>
               <a:ext uri="{FF2B5EF4-FFF2-40B4-BE49-F238E27FC236}">
-                <a16:creationId xmlns:a16="http://schemas.microsoft.com/office/drawing/2014/main" id="{34615CD2-FCC8-4F84-AF57-DAEF214A2908}"/>
+                <a16:creationId xmlns:a16="http://schemas.microsoft.com/office/drawing/2014/main" xmlns="" id="{34615CD2-FCC8-4F84-AF57-DAEF214A2908}"/>
               </a:ext>
             </a:extLst>
           </p:cNvPr>
@@ -1807,7 +1813,7 @@
           <p:cNvPr id="7" name="Date Placeholder 6">
             <a:extLst>
               <a:ext uri="{FF2B5EF4-FFF2-40B4-BE49-F238E27FC236}">
-                <a16:creationId xmlns:a16="http://schemas.microsoft.com/office/drawing/2014/main" id="{C4679372-CE41-4D0F-A8F9-991314F26057}"/>
+                <a16:creationId xmlns:a16="http://schemas.microsoft.com/office/drawing/2014/main" xmlns="" id="{C4679372-CE41-4D0F-A8F9-991314F26057}"/>
               </a:ext>
             </a:extLst>
           </p:cNvPr>
@@ -1825,7 +1831,7 @@
           <a:p>
             <a:fld id="{1CF1F812-BBCA-48DC-B42F-E47B5C3EB325}" type="datetimeFigureOut">
               <a:rPr lang="en-GB" smtClean="0"/>
-              <a:t>15/03/2022</a:t>
+              <a:t>31/03/2022</a:t>
             </a:fld>
             <a:endParaRPr lang="en-GB"/>
           </a:p>
@@ -1836,7 +1842,7 @@
           <p:cNvPr id="8" name="Footer Placeholder 7">
             <a:extLst>
               <a:ext uri="{FF2B5EF4-FFF2-40B4-BE49-F238E27FC236}">
-                <a16:creationId xmlns:a16="http://schemas.microsoft.com/office/drawing/2014/main" id="{437CADA6-9665-4A40-949A-3161E1878B16}"/>
+                <a16:creationId xmlns:a16="http://schemas.microsoft.com/office/drawing/2014/main" xmlns="" id="{437CADA6-9665-4A40-949A-3161E1878B16}"/>
               </a:ext>
             </a:extLst>
           </p:cNvPr>
@@ -1861,7 +1867,7 @@
           <p:cNvPr id="9" name="Slide Number Placeholder 8">
             <a:extLst>
               <a:ext uri="{FF2B5EF4-FFF2-40B4-BE49-F238E27FC236}">
-                <a16:creationId xmlns:a16="http://schemas.microsoft.com/office/drawing/2014/main" id="{2BDBDB9C-AE80-465C-96E9-8D0E86895E1C}"/>
+                <a16:creationId xmlns:a16="http://schemas.microsoft.com/office/drawing/2014/main" xmlns="" id="{2BDBDB9C-AE80-465C-96E9-8D0E86895E1C}"/>
               </a:ext>
             </a:extLst>
           </p:cNvPr>
@@ -1920,7 +1926,7 @@
           <p:cNvPr id="2" name="Title 1">
             <a:extLst>
               <a:ext uri="{FF2B5EF4-FFF2-40B4-BE49-F238E27FC236}">
-                <a16:creationId xmlns:a16="http://schemas.microsoft.com/office/drawing/2014/main" id="{AD15AC3E-597A-47A6-9AEA-F5752D625C17}"/>
+                <a16:creationId xmlns:a16="http://schemas.microsoft.com/office/drawing/2014/main" xmlns="" id="{AD15AC3E-597A-47A6-9AEA-F5752D625C17}"/>
               </a:ext>
             </a:extLst>
           </p:cNvPr>
@@ -1949,7 +1955,7 @@
           <p:cNvPr id="3" name="Date Placeholder 2">
             <a:extLst>
               <a:ext uri="{FF2B5EF4-FFF2-40B4-BE49-F238E27FC236}">
-                <a16:creationId xmlns:a16="http://schemas.microsoft.com/office/drawing/2014/main" id="{BBF0514A-003E-4AC1-9261-383EF8238ADA}"/>
+                <a16:creationId xmlns:a16="http://schemas.microsoft.com/office/drawing/2014/main" xmlns="" id="{BBF0514A-003E-4AC1-9261-383EF8238ADA}"/>
               </a:ext>
             </a:extLst>
           </p:cNvPr>
@@ -1967,7 +1973,7 @@
           <a:p>
             <a:fld id="{1CF1F812-BBCA-48DC-B42F-E47B5C3EB325}" type="datetimeFigureOut">
               <a:rPr lang="en-GB" smtClean="0"/>
-              <a:t>15/03/2022</a:t>
+              <a:t>31/03/2022</a:t>
             </a:fld>
             <a:endParaRPr lang="en-GB"/>
           </a:p>
@@ -1978,7 +1984,7 @@
           <p:cNvPr id="4" name="Footer Placeholder 3">
             <a:extLst>
               <a:ext uri="{FF2B5EF4-FFF2-40B4-BE49-F238E27FC236}">
-                <a16:creationId xmlns:a16="http://schemas.microsoft.com/office/drawing/2014/main" id="{D82B04CC-084D-4D0A-AC01-6DDB6BD27277}"/>
+                <a16:creationId xmlns:a16="http://schemas.microsoft.com/office/drawing/2014/main" xmlns="" id="{D82B04CC-084D-4D0A-AC01-6DDB6BD27277}"/>
               </a:ext>
             </a:extLst>
           </p:cNvPr>
@@ -2003,7 +2009,7 @@
           <p:cNvPr id="5" name="Slide Number Placeholder 4">
             <a:extLst>
               <a:ext uri="{FF2B5EF4-FFF2-40B4-BE49-F238E27FC236}">
-                <a16:creationId xmlns:a16="http://schemas.microsoft.com/office/drawing/2014/main" id="{517A74C6-E83C-4E99-B8DC-D12022A08972}"/>
+                <a16:creationId xmlns:a16="http://schemas.microsoft.com/office/drawing/2014/main" xmlns="" id="{517A74C6-E83C-4E99-B8DC-D12022A08972}"/>
               </a:ext>
             </a:extLst>
           </p:cNvPr>
@@ -2062,7 +2068,7 @@
           <p:cNvPr id="2" name="Date Placeholder 1">
             <a:extLst>
               <a:ext uri="{FF2B5EF4-FFF2-40B4-BE49-F238E27FC236}">
-                <a16:creationId xmlns:a16="http://schemas.microsoft.com/office/drawing/2014/main" id="{2F4FFC64-2C10-4C3D-BB6D-D0EEAC547F86}"/>
+                <a16:creationId xmlns:a16="http://schemas.microsoft.com/office/drawing/2014/main" xmlns="" id="{2F4FFC64-2C10-4C3D-BB6D-D0EEAC547F86}"/>
               </a:ext>
             </a:extLst>
           </p:cNvPr>
@@ -2080,7 +2086,7 @@
           <a:p>
             <a:fld id="{1CF1F812-BBCA-48DC-B42F-E47B5C3EB325}" type="datetimeFigureOut">
               <a:rPr lang="en-GB" smtClean="0"/>
-              <a:t>15/03/2022</a:t>
+              <a:t>31/03/2022</a:t>
             </a:fld>
             <a:endParaRPr lang="en-GB"/>
           </a:p>
@@ -2091,7 +2097,7 @@
           <p:cNvPr id="3" name="Footer Placeholder 2">
             <a:extLst>
               <a:ext uri="{FF2B5EF4-FFF2-40B4-BE49-F238E27FC236}">
-                <a16:creationId xmlns:a16="http://schemas.microsoft.com/office/drawing/2014/main" id="{CA3E66C2-9691-4426-88DC-15BCA7CE635C}"/>
+                <a16:creationId xmlns:a16="http://schemas.microsoft.com/office/drawing/2014/main" xmlns="" id="{CA3E66C2-9691-4426-88DC-15BCA7CE635C}"/>
               </a:ext>
             </a:extLst>
           </p:cNvPr>
@@ -2116,7 +2122,7 @@
           <p:cNvPr id="4" name="Slide Number Placeholder 3">
             <a:extLst>
               <a:ext uri="{FF2B5EF4-FFF2-40B4-BE49-F238E27FC236}">
-                <a16:creationId xmlns:a16="http://schemas.microsoft.com/office/drawing/2014/main" id="{DC0A2E68-3F5E-4EC7-BF42-DF498E7D76B2}"/>
+                <a16:creationId xmlns:a16="http://schemas.microsoft.com/office/drawing/2014/main" xmlns="" id="{DC0A2E68-3F5E-4EC7-BF42-DF498E7D76B2}"/>
               </a:ext>
             </a:extLst>
           </p:cNvPr>
@@ -2175,7 +2181,7 @@
           <p:cNvPr id="2" name="Title 1">
             <a:extLst>
               <a:ext uri="{FF2B5EF4-FFF2-40B4-BE49-F238E27FC236}">
-                <a16:creationId xmlns:a16="http://schemas.microsoft.com/office/drawing/2014/main" id="{0B3BF3AC-EEC0-4A99-A447-415BDAA2ADDF}"/>
+                <a16:creationId xmlns:a16="http://schemas.microsoft.com/office/drawing/2014/main" xmlns="" id="{0B3BF3AC-EEC0-4A99-A447-415BDAA2ADDF}"/>
               </a:ext>
             </a:extLst>
           </p:cNvPr>
@@ -2213,7 +2219,7 @@
           <p:cNvPr id="3" name="Content Placeholder 2">
             <a:extLst>
               <a:ext uri="{FF2B5EF4-FFF2-40B4-BE49-F238E27FC236}">
-                <a16:creationId xmlns:a16="http://schemas.microsoft.com/office/drawing/2014/main" id="{7AACF40A-A90A-4281-A6E9-958AAF698A37}"/>
+                <a16:creationId xmlns:a16="http://schemas.microsoft.com/office/drawing/2014/main" xmlns="" id="{7AACF40A-A90A-4281-A6E9-958AAF698A37}"/>
               </a:ext>
             </a:extLst>
           </p:cNvPr>
@@ -2304,7 +2310,7 @@
           <p:cNvPr id="4" name="Text Placeholder 3">
             <a:extLst>
               <a:ext uri="{FF2B5EF4-FFF2-40B4-BE49-F238E27FC236}">
-                <a16:creationId xmlns:a16="http://schemas.microsoft.com/office/drawing/2014/main" id="{CB8703BD-7873-401A-B76C-8D59B9C6483C}"/>
+                <a16:creationId xmlns:a16="http://schemas.microsoft.com/office/drawing/2014/main" xmlns="" id="{CB8703BD-7873-401A-B76C-8D59B9C6483C}"/>
               </a:ext>
             </a:extLst>
           </p:cNvPr>
@@ -2375,7 +2381,7 @@
           <p:cNvPr id="5" name="Date Placeholder 4">
             <a:extLst>
               <a:ext uri="{FF2B5EF4-FFF2-40B4-BE49-F238E27FC236}">
-                <a16:creationId xmlns:a16="http://schemas.microsoft.com/office/drawing/2014/main" id="{C0C320B5-C161-43A6-8281-4A6135E097BE}"/>
+                <a16:creationId xmlns:a16="http://schemas.microsoft.com/office/drawing/2014/main" xmlns="" id="{C0C320B5-C161-43A6-8281-4A6135E097BE}"/>
               </a:ext>
             </a:extLst>
           </p:cNvPr>
@@ -2393,7 +2399,7 @@
           <a:p>
             <a:fld id="{1CF1F812-BBCA-48DC-B42F-E47B5C3EB325}" type="datetimeFigureOut">
               <a:rPr lang="en-GB" smtClean="0"/>
-              <a:t>15/03/2022</a:t>
+              <a:t>31/03/2022</a:t>
             </a:fld>
             <a:endParaRPr lang="en-GB"/>
           </a:p>
@@ -2404,7 +2410,7 @@
           <p:cNvPr id="6" name="Footer Placeholder 5">
             <a:extLst>
               <a:ext uri="{FF2B5EF4-FFF2-40B4-BE49-F238E27FC236}">
-                <a16:creationId xmlns:a16="http://schemas.microsoft.com/office/drawing/2014/main" id="{6CBFF5F7-D4BC-40C5-8819-1BF79D179C7E}"/>
+                <a16:creationId xmlns:a16="http://schemas.microsoft.com/office/drawing/2014/main" xmlns="" id="{6CBFF5F7-D4BC-40C5-8819-1BF79D179C7E}"/>
               </a:ext>
             </a:extLst>
           </p:cNvPr>
@@ -2429,7 +2435,7 @@
           <p:cNvPr id="7" name="Slide Number Placeholder 6">
             <a:extLst>
               <a:ext uri="{FF2B5EF4-FFF2-40B4-BE49-F238E27FC236}">
-                <a16:creationId xmlns:a16="http://schemas.microsoft.com/office/drawing/2014/main" id="{B22F29BF-81C3-4FF5-8FFD-2D38C1F2C529}"/>
+                <a16:creationId xmlns:a16="http://schemas.microsoft.com/office/drawing/2014/main" xmlns="" id="{B22F29BF-81C3-4FF5-8FFD-2D38C1F2C529}"/>
               </a:ext>
             </a:extLst>
           </p:cNvPr>
@@ -2488,7 +2494,7 @@
           <p:cNvPr id="2" name="Title 1">
             <a:extLst>
               <a:ext uri="{FF2B5EF4-FFF2-40B4-BE49-F238E27FC236}">
-                <a16:creationId xmlns:a16="http://schemas.microsoft.com/office/drawing/2014/main" id="{4334D91F-0B5F-4023-B5E3-B786FE5DF560}"/>
+                <a16:creationId xmlns:a16="http://schemas.microsoft.com/office/drawing/2014/main" xmlns="" id="{4334D91F-0B5F-4023-B5E3-B786FE5DF560}"/>
               </a:ext>
             </a:extLst>
           </p:cNvPr>
@@ -2526,7 +2532,7 @@
           <p:cNvPr id="3" name="Picture Placeholder 2">
             <a:extLst>
               <a:ext uri="{FF2B5EF4-FFF2-40B4-BE49-F238E27FC236}">
-                <a16:creationId xmlns:a16="http://schemas.microsoft.com/office/drawing/2014/main" id="{1E6CE662-6C77-4057-9FE5-5EE59C2D428A}"/>
+                <a16:creationId xmlns:a16="http://schemas.microsoft.com/office/drawing/2014/main" xmlns="" id="{1E6CE662-6C77-4057-9FE5-5EE59C2D428A}"/>
               </a:ext>
             </a:extLst>
           </p:cNvPr>
@@ -2593,7 +2599,7 @@
           <p:cNvPr id="4" name="Text Placeholder 3">
             <a:extLst>
               <a:ext uri="{FF2B5EF4-FFF2-40B4-BE49-F238E27FC236}">
-                <a16:creationId xmlns:a16="http://schemas.microsoft.com/office/drawing/2014/main" id="{70ECF15F-70CC-45EF-B084-7EE5177055BA}"/>
+                <a16:creationId xmlns:a16="http://schemas.microsoft.com/office/drawing/2014/main" xmlns="" id="{70ECF15F-70CC-45EF-B084-7EE5177055BA}"/>
               </a:ext>
             </a:extLst>
           </p:cNvPr>
@@ -2664,7 +2670,7 @@
           <p:cNvPr id="5" name="Date Placeholder 4">
             <a:extLst>
               <a:ext uri="{FF2B5EF4-FFF2-40B4-BE49-F238E27FC236}">
-                <a16:creationId xmlns:a16="http://schemas.microsoft.com/office/drawing/2014/main" id="{54F15040-2BE1-405D-8ABE-94E09800C03C}"/>
+                <a16:creationId xmlns:a16="http://schemas.microsoft.com/office/drawing/2014/main" xmlns="" id="{54F15040-2BE1-405D-8ABE-94E09800C03C}"/>
               </a:ext>
             </a:extLst>
           </p:cNvPr>
@@ -2682,7 +2688,7 @@
           <a:p>
             <a:fld id="{1CF1F812-BBCA-48DC-B42F-E47B5C3EB325}" type="datetimeFigureOut">
               <a:rPr lang="en-GB" smtClean="0"/>
-              <a:t>15/03/2022</a:t>
+              <a:t>31/03/2022</a:t>
             </a:fld>
             <a:endParaRPr lang="en-GB"/>
           </a:p>
@@ -2693,7 +2699,7 @@
           <p:cNvPr id="6" name="Footer Placeholder 5">
             <a:extLst>
               <a:ext uri="{FF2B5EF4-FFF2-40B4-BE49-F238E27FC236}">
-                <a16:creationId xmlns:a16="http://schemas.microsoft.com/office/drawing/2014/main" id="{BE441253-CB86-47D3-9CC5-920D3E624511}"/>
+                <a16:creationId xmlns:a16="http://schemas.microsoft.com/office/drawing/2014/main" xmlns="" id="{BE441253-CB86-47D3-9CC5-920D3E624511}"/>
               </a:ext>
             </a:extLst>
           </p:cNvPr>
@@ -2718,7 +2724,7 @@
           <p:cNvPr id="7" name="Slide Number Placeholder 6">
             <a:extLst>
               <a:ext uri="{FF2B5EF4-FFF2-40B4-BE49-F238E27FC236}">
-                <a16:creationId xmlns:a16="http://schemas.microsoft.com/office/drawing/2014/main" id="{5A27C9D1-3B45-4832-9C65-CAA6A53FDD5D}"/>
+                <a16:creationId xmlns:a16="http://schemas.microsoft.com/office/drawing/2014/main" xmlns="" id="{5A27C9D1-3B45-4832-9C65-CAA6A53FDD5D}"/>
               </a:ext>
             </a:extLst>
           </p:cNvPr>
@@ -2782,7 +2788,7 @@
           <p:cNvPr id="2" name="Title Placeholder 1">
             <a:extLst>
               <a:ext uri="{FF2B5EF4-FFF2-40B4-BE49-F238E27FC236}">
-                <a16:creationId xmlns:a16="http://schemas.microsoft.com/office/drawing/2014/main" id="{6811CD61-ADD8-4E35-8509-80AB2DE54241}"/>
+                <a16:creationId xmlns:a16="http://schemas.microsoft.com/office/drawing/2014/main" xmlns="" id="{6811CD61-ADD8-4E35-8509-80AB2DE54241}"/>
               </a:ext>
             </a:extLst>
           </p:cNvPr>
@@ -2821,7 +2827,7 @@
           <p:cNvPr id="3" name="Text Placeholder 2">
             <a:extLst>
               <a:ext uri="{FF2B5EF4-FFF2-40B4-BE49-F238E27FC236}">
-                <a16:creationId xmlns:a16="http://schemas.microsoft.com/office/drawing/2014/main" id="{F2522F78-E092-4FF4-8C91-7BC77F89D3C3}"/>
+                <a16:creationId xmlns:a16="http://schemas.microsoft.com/office/drawing/2014/main" xmlns="" id="{F2522F78-E092-4FF4-8C91-7BC77F89D3C3}"/>
               </a:ext>
             </a:extLst>
           </p:cNvPr>
@@ -2889,7 +2895,7 @@
           <p:cNvPr id="4" name="Date Placeholder 3">
             <a:extLst>
               <a:ext uri="{FF2B5EF4-FFF2-40B4-BE49-F238E27FC236}">
-                <a16:creationId xmlns:a16="http://schemas.microsoft.com/office/drawing/2014/main" id="{34559455-C8CF-4C97-B6E7-FFD37BC0C112}"/>
+                <a16:creationId xmlns:a16="http://schemas.microsoft.com/office/drawing/2014/main" xmlns="" id="{34559455-C8CF-4C97-B6E7-FFD37BC0C112}"/>
               </a:ext>
             </a:extLst>
           </p:cNvPr>
@@ -2925,7 +2931,7 @@
           <a:p>
             <a:fld id="{1CF1F812-BBCA-48DC-B42F-E47B5C3EB325}" type="datetimeFigureOut">
               <a:rPr lang="en-GB" smtClean="0"/>
-              <a:t>15/03/2022</a:t>
+              <a:t>31/03/2022</a:t>
             </a:fld>
             <a:endParaRPr lang="en-GB"/>
           </a:p>
@@ -2936,7 +2942,7 @@
           <p:cNvPr id="5" name="Footer Placeholder 4">
             <a:extLst>
               <a:ext uri="{FF2B5EF4-FFF2-40B4-BE49-F238E27FC236}">
-                <a16:creationId xmlns:a16="http://schemas.microsoft.com/office/drawing/2014/main" id="{922720EB-4B6A-4402-951F-3D594E43BCE4}"/>
+                <a16:creationId xmlns:a16="http://schemas.microsoft.com/office/drawing/2014/main" xmlns="" id="{922720EB-4B6A-4402-951F-3D594E43BCE4}"/>
               </a:ext>
             </a:extLst>
           </p:cNvPr>
@@ -2979,7 +2985,7 @@
           <p:cNvPr id="6" name="Slide Number Placeholder 5">
             <a:extLst>
               <a:ext uri="{FF2B5EF4-FFF2-40B4-BE49-F238E27FC236}">
-                <a16:creationId xmlns:a16="http://schemas.microsoft.com/office/drawing/2014/main" id="{65759AFC-9DE7-4FEA-86A4-4B4ABA15C6BB}"/>
+                <a16:creationId xmlns:a16="http://schemas.microsoft.com/office/drawing/2014/main" xmlns="" id="{65759AFC-9DE7-4FEA-86A4-4B4ABA15C6BB}"/>
               </a:ext>
             </a:extLst>
           </p:cNvPr>
@@ -3347,7 +3353,7 @@
           <p:cNvPr id="39" name="Rectangle 38">
             <a:extLst>
               <a:ext uri="{FF2B5EF4-FFF2-40B4-BE49-F238E27FC236}">
-                <a16:creationId xmlns:a16="http://schemas.microsoft.com/office/drawing/2014/main" id="{32C9D0CE-19C5-4F0D-A915-AB4238B9DFDD}"/>
+                <a16:creationId xmlns:a16="http://schemas.microsoft.com/office/drawing/2014/main" xmlns="" id="{32C9D0CE-19C5-4F0D-A915-AB4238B9DFDD}"/>
               </a:ext>
             </a:extLst>
           </p:cNvPr>
@@ -3393,7 +3399,7 @@
           <p:cNvPr id="4" name="Rectangle 3">
             <a:extLst>
               <a:ext uri="{FF2B5EF4-FFF2-40B4-BE49-F238E27FC236}">
-                <a16:creationId xmlns:a16="http://schemas.microsoft.com/office/drawing/2014/main" id="{9A04F4C3-25A7-4C5C-AA59-CF10E7424F3A}"/>
+                <a16:creationId xmlns:a16="http://schemas.microsoft.com/office/drawing/2014/main" xmlns="" id="{9A04F4C3-25A7-4C5C-AA59-CF10E7424F3A}"/>
               </a:ext>
             </a:extLst>
           </p:cNvPr>
@@ -3442,7 +3448,7 @@
           <p:cNvPr id="5" name="Rectangle 4">
             <a:extLst>
               <a:ext uri="{FF2B5EF4-FFF2-40B4-BE49-F238E27FC236}">
-                <a16:creationId xmlns:a16="http://schemas.microsoft.com/office/drawing/2014/main" id="{E95BB7ED-A96A-4E67-AD71-83028750DF42}"/>
+                <a16:creationId xmlns:a16="http://schemas.microsoft.com/office/drawing/2014/main" xmlns="" id="{E95BB7ED-A96A-4E67-AD71-83028750DF42}"/>
               </a:ext>
             </a:extLst>
           </p:cNvPr>
@@ -3491,7 +3497,7 @@
           <p:cNvPr id="6" name="Rectangle 5">
             <a:extLst>
               <a:ext uri="{FF2B5EF4-FFF2-40B4-BE49-F238E27FC236}">
-                <a16:creationId xmlns:a16="http://schemas.microsoft.com/office/drawing/2014/main" id="{330063F4-00A2-4378-84D9-E3BCC1EFDE52}"/>
+                <a16:creationId xmlns:a16="http://schemas.microsoft.com/office/drawing/2014/main" xmlns="" id="{330063F4-00A2-4378-84D9-E3BCC1EFDE52}"/>
               </a:ext>
             </a:extLst>
           </p:cNvPr>
@@ -3540,7 +3546,7 @@
           <p:cNvPr id="7" name="Rectangle 6">
             <a:extLst>
               <a:ext uri="{FF2B5EF4-FFF2-40B4-BE49-F238E27FC236}">
-                <a16:creationId xmlns:a16="http://schemas.microsoft.com/office/drawing/2014/main" id="{25349845-7E80-440C-AC66-CCF9D852F519}"/>
+                <a16:creationId xmlns:a16="http://schemas.microsoft.com/office/drawing/2014/main" xmlns="" id="{25349845-7E80-440C-AC66-CCF9D852F519}"/>
               </a:ext>
             </a:extLst>
           </p:cNvPr>
@@ -3589,7 +3595,7 @@
           <p:cNvPr id="8" name="Rectangle 7">
             <a:extLst>
               <a:ext uri="{FF2B5EF4-FFF2-40B4-BE49-F238E27FC236}">
-                <a16:creationId xmlns:a16="http://schemas.microsoft.com/office/drawing/2014/main" id="{89364A90-AF5C-4F86-9E12-B93773789F6F}"/>
+                <a16:creationId xmlns:a16="http://schemas.microsoft.com/office/drawing/2014/main" xmlns="" id="{89364A90-AF5C-4F86-9E12-B93773789F6F}"/>
               </a:ext>
             </a:extLst>
           </p:cNvPr>
@@ -3643,7 +3649,7 @@
           <p:cNvPr id="9" name="Rectangle 8">
             <a:extLst>
               <a:ext uri="{FF2B5EF4-FFF2-40B4-BE49-F238E27FC236}">
-                <a16:creationId xmlns:a16="http://schemas.microsoft.com/office/drawing/2014/main" id="{66BAC32C-054E-432B-81AA-6F17256C28E3}"/>
+                <a16:creationId xmlns:a16="http://schemas.microsoft.com/office/drawing/2014/main" xmlns="" id="{66BAC32C-054E-432B-81AA-6F17256C28E3}"/>
               </a:ext>
             </a:extLst>
           </p:cNvPr>
@@ -3692,7 +3698,7 @@
           <p:cNvPr id="10" name="Rectangle 9">
             <a:extLst>
               <a:ext uri="{FF2B5EF4-FFF2-40B4-BE49-F238E27FC236}">
-                <a16:creationId xmlns:a16="http://schemas.microsoft.com/office/drawing/2014/main" id="{BE15ED3C-2B60-4E55-9273-FC11C479F352}"/>
+                <a16:creationId xmlns:a16="http://schemas.microsoft.com/office/drawing/2014/main" xmlns="" id="{BE15ED3C-2B60-4E55-9273-FC11C479F352}"/>
               </a:ext>
             </a:extLst>
           </p:cNvPr>
@@ -3746,7 +3752,7 @@
           <p:cNvPr id="12" name="Connector: Elbow 11">
             <a:extLst>
               <a:ext uri="{FF2B5EF4-FFF2-40B4-BE49-F238E27FC236}">
-                <a16:creationId xmlns:a16="http://schemas.microsoft.com/office/drawing/2014/main" id="{DDA45A98-7B4A-458C-8CBA-2F6E633BA7B6}"/>
+                <a16:creationId xmlns:a16="http://schemas.microsoft.com/office/drawing/2014/main" xmlns="" id="{DDA45A98-7B4A-458C-8CBA-2F6E633BA7B6}"/>
               </a:ext>
             </a:extLst>
           </p:cNvPr>
@@ -3788,7 +3794,7 @@
           <p:cNvPr id="18" name="Connector: Elbow 17">
             <a:extLst>
               <a:ext uri="{FF2B5EF4-FFF2-40B4-BE49-F238E27FC236}">
-                <a16:creationId xmlns:a16="http://schemas.microsoft.com/office/drawing/2014/main" id="{5BD5FAEB-B0C1-4081-8087-939FB504AC1E}"/>
+                <a16:creationId xmlns:a16="http://schemas.microsoft.com/office/drawing/2014/main" xmlns="" id="{5BD5FAEB-B0C1-4081-8087-939FB504AC1E}"/>
               </a:ext>
             </a:extLst>
           </p:cNvPr>
@@ -3830,7 +3836,7 @@
           <p:cNvPr id="23" name="Rectangle 22">
             <a:extLst>
               <a:ext uri="{FF2B5EF4-FFF2-40B4-BE49-F238E27FC236}">
-                <a16:creationId xmlns:a16="http://schemas.microsoft.com/office/drawing/2014/main" id="{DE06BBE5-C98A-4228-A94B-11BB7F342C3C}"/>
+                <a16:creationId xmlns:a16="http://schemas.microsoft.com/office/drawing/2014/main" xmlns="" id="{DE06BBE5-C98A-4228-A94B-11BB7F342C3C}"/>
               </a:ext>
             </a:extLst>
           </p:cNvPr>
@@ -3879,7 +3885,7 @@
           <p:cNvPr id="24" name="Rectangle 23">
             <a:extLst>
               <a:ext uri="{FF2B5EF4-FFF2-40B4-BE49-F238E27FC236}">
-                <a16:creationId xmlns:a16="http://schemas.microsoft.com/office/drawing/2014/main" id="{5B909E1B-9037-4229-85AA-53B319EF6A96}"/>
+                <a16:creationId xmlns:a16="http://schemas.microsoft.com/office/drawing/2014/main" xmlns="" id="{5B909E1B-9037-4229-85AA-53B319EF6A96}"/>
               </a:ext>
             </a:extLst>
           </p:cNvPr>
@@ -3928,7 +3934,7 @@
           <p:cNvPr id="30" name="Straight Arrow Connector 29">
             <a:extLst>
               <a:ext uri="{FF2B5EF4-FFF2-40B4-BE49-F238E27FC236}">
-                <a16:creationId xmlns:a16="http://schemas.microsoft.com/office/drawing/2014/main" id="{3A9BC372-FE25-4829-A1D5-AF60FBDEBC98}"/>
+                <a16:creationId xmlns:a16="http://schemas.microsoft.com/office/drawing/2014/main" xmlns="" id="{3A9BC372-FE25-4829-A1D5-AF60FBDEBC98}"/>
               </a:ext>
             </a:extLst>
           </p:cNvPr>
@@ -3970,7 +3976,7 @@
           <p:cNvPr id="32" name="Connector: Elbow 31">
             <a:extLst>
               <a:ext uri="{FF2B5EF4-FFF2-40B4-BE49-F238E27FC236}">
-                <a16:creationId xmlns:a16="http://schemas.microsoft.com/office/drawing/2014/main" id="{8544E158-E151-434E-A4C5-5AE86E937659}"/>
+                <a16:creationId xmlns:a16="http://schemas.microsoft.com/office/drawing/2014/main" xmlns="" id="{8544E158-E151-434E-A4C5-5AE86E937659}"/>
               </a:ext>
             </a:extLst>
           </p:cNvPr>
@@ -4015,7 +4021,7 @@
           <p:cNvPr id="36" name="Straight Arrow Connector 35">
             <a:extLst>
               <a:ext uri="{FF2B5EF4-FFF2-40B4-BE49-F238E27FC236}">
-                <a16:creationId xmlns:a16="http://schemas.microsoft.com/office/drawing/2014/main" id="{0072D390-A4A3-4D24-BD9F-4F48FA51DD14}"/>
+                <a16:creationId xmlns:a16="http://schemas.microsoft.com/office/drawing/2014/main" xmlns="" id="{0072D390-A4A3-4D24-BD9F-4F48FA51DD14}"/>
               </a:ext>
             </a:extLst>
           </p:cNvPr>
@@ -4057,7 +4063,7 @@
           <p:cNvPr id="38" name="Connector: Elbow 37">
             <a:extLst>
               <a:ext uri="{FF2B5EF4-FFF2-40B4-BE49-F238E27FC236}">
-                <a16:creationId xmlns:a16="http://schemas.microsoft.com/office/drawing/2014/main" id="{D942BAAB-10E2-48C5-91B4-EBDEA5CF7B5F}"/>
+                <a16:creationId xmlns:a16="http://schemas.microsoft.com/office/drawing/2014/main" xmlns="" id="{D942BAAB-10E2-48C5-91B4-EBDEA5CF7B5F}"/>
               </a:ext>
             </a:extLst>
           </p:cNvPr>
@@ -4102,7 +4108,7 @@
           <p:cNvPr id="40" name="TextBox 39">
             <a:extLst>
               <a:ext uri="{FF2B5EF4-FFF2-40B4-BE49-F238E27FC236}">
-                <a16:creationId xmlns:a16="http://schemas.microsoft.com/office/drawing/2014/main" id="{3DBEE07F-AA5F-4B07-AF5F-0DA001CA0889}"/>
+                <a16:creationId xmlns:a16="http://schemas.microsoft.com/office/drawing/2014/main" xmlns="" id="{3DBEE07F-AA5F-4B07-AF5F-0DA001CA0889}"/>
               </a:ext>
             </a:extLst>
           </p:cNvPr>
@@ -4137,7 +4143,7 @@
           <p:cNvPr id="41" name="Rectangle 40">
             <a:extLst>
               <a:ext uri="{FF2B5EF4-FFF2-40B4-BE49-F238E27FC236}">
-                <a16:creationId xmlns:a16="http://schemas.microsoft.com/office/drawing/2014/main" id="{3913F1EE-75B4-46EB-8EB0-258EE60EF80F}"/>
+                <a16:creationId xmlns:a16="http://schemas.microsoft.com/office/drawing/2014/main" xmlns="" id="{3913F1EE-75B4-46EB-8EB0-258EE60EF80F}"/>
               </a:ext>
             </a:extLst>
           </p:cNvPr>
@@ -4186,7 +4192,7 @@
           <p:cNvPr id="42" name="Rectangle: Single Corner Snipped 41">
             <a:extLst>
               <a:ext uri="{FF2B5EF4-FFF2-40B4-BE49-F238E27FC236}">
-                <a16:creationId xmlns:a16="http://schemas.microsoft.com/office/drawing/2014/main" id="{6BB99E36-8896-4378-B8FF-CDD643B4AEC1}"/>
+                <a16:creationId xmlns:a16="http://schemas.microsoft.com/office/drawing/2014/main" xmlns="" id="{6BB99E36-8896-4378-B8FF-CDD643B4AEC1}"/>
               </a:ext>
             </a:extLst>
           </p:cNvPr>
@@ -4233,7 +4239,7 @@
           <p:cNvPr id="43" name="Rectangle 42">
             <a:extLst>
               <a:ext uri="{FF2B5EF4-FFF2-40B4-BE49-F238E27FC236}">
-                <a16:creationId xmlns:a16="http://schemas.microsoft.com/office/drawing/2014/main" id="{72F4E8A1-4564-406E-936A-74084704FFB4}"/>
+                <a16:creationId xmlns:a16="http://schemas.microsoft.com/office/drawing/2014/main" xmlns="" id="{72F4E8A1-4564-406E-936A-74084704FFB4}"/>
               </a:ext>
             </a:extLst>
           </p:cNvPr>
@@ -4287,7 +4293,7 @@
           <p:cNvPr id="44" name="Cylinder 43">
             <a:extLst>
               <a:ext uri="{FF2B5EF4-FFF2-40B4-BE49-F238E27FC236}">
-                <a16:creationId xmlns:a16="http://schemas.microsoft.com/office/drawing/2014/main" id="{DFD5FAD3-BE21-4894-991C-3FEBCA2BE3B9}"/>
+                <a16:creationId xmlns:a16="http://schemas.microsoft.com/office/drawing/2014/main" xmlns="" id="{DFD5FAD3-BE21-4894-991C-3FEBCA2BE3B9}"/>
               </a:ext>
             </a:extLst>
           </p:cNvPr>
@@ -4333,7 +4339,7 @@
           <p:cNvPr id="46" name="Connector: Elbow 45">
             <a:extLst>
               <a:ext uri="{FF2B5EF4-FFF2-40B4-BE49-F238E27FC236}">
-                <a16:creationId xmlns:a16="http://schemas.microsoft.com/office/drawing/2014/main" id="{26320598-87E4-4F2E-B016-B57C5653A4FD}"/>
+                <a16:creationId xmlns:a16="http://schemas.microsoft.com/office/drawing/2014/main" xmlns="" id="{26320598-87E4-4F2E-B016-B57C5653A4FD}"/>
               </a:ext>
             </a:extLst>
           </p:cNvPr>
@@ -4377,7 +4383,7 @@
           <p:cNvPr id="48" name="Straight Arrow Connector 47">
             <a:extLst>
               <a:ext uri="{FF2B5EF4-FFF2-40B4-BE49-F238E27FC236}">
-                <a16:creationId xmlns:a16="http://schemas.microsoft.com/office/drawing/2014/main" id="{9E4F9A71-65E4-4357-AC39-8C9E27D98D0F}"/>
+                <a16:creationId xmlns:a16="http://schemas.microsoft.com/office/drawing/2014/main" xmlns="" id="{9E4F9A71-65E4-4357-AC39-8C9E27D98D0F}"/>
               </a:ext>
             </a:extLst>
           </p:cNvPr>
@@ -4419,7 +4425,7 @@
           <p:cNvPr id="50" name="Connector: Elbow 49">
             <a:extLst>
               <a:ext uri="{FF2B5EF4-FFF2-40B4-BE49-F238E27FC236}">
-                <a16:creationId xmlns:a16="http://schemas.microsoft.com/office/drawing/2014/main" id="{77CC1A99-5B64-4BC9-9A22-AB8FB68C2943}"/>
+                <a16:creationId xmlns:a16="http://schemas.microsoft.com/office/drawing/2014/main" xmlns="" id="{77CC1A99-5B64-4BC9-9A22-AB8FB68C2943}"/>
               </a:ext>
             </a:extLst>
           </p:cNvPr>
@@ -4461,7 +4467,7 @@
           <p:cNvPr id="51" name="Rectangle 50">
             <a:extLst>
               <a:ext uri="{FF2B5EF4-FFF2-40B4-BE49-F238E27FC236}">
-                <a16:creationId xmlns:a16="http://schemas.microsoft.com/office/drawing/2014/main" id="{ECFC2B9F-4325-4C31-B8ED-9528E0C99B38}"/>
+                <a16:creationId xmlns:a16="http://schemas.microsoft.com/office/drawing/2014/main" xmlns="" id="{ECFC2B9F-4325-4C31-B8ED-9528E0C99B38}"/>
               </a:ext>
             </a:extLst>
           </p:cNvPr>
@@ -4515,7 +4521,7 @@
           <p:cNvPr id="53" name="Connector: Elbow 52">
             <a:extLst>
               <a:ext uri="{FF2B5EF4-FFF2-40B4-BE49-F238E27FC236}">
-                <a16:creationId xmlns:a16="http://schemas.microsoft.com/office/drawing/2014/main" id="{8E3DE1AA-40A0-446E-91BE-AD62BA4EB232}"/>
+                <a16:creationId xmlns:a16="http://schemas.microsoft.com/office/drawing/2014/main" xmlns="" id="{8E3DE1AA-40A0-446E-91BE-AD62BA4EB232}"/>
               </a:ext>
             </a:extLst>
           </p:cNvPr>
@@ -4557,7 +4563,7 @@
           <p:cNvPr id="55" name="Rectangle: Single Corner Snipped 54">
             <a:extLst>
               <a:ext uri="{FF2B5EF4-FFF2-40B4-BE49-F238E27FC236}">
-                <a16:creationId xmlns:a16="http://schemas.microsoft.com/office/drawing/2014/main" id="{E85420A1-FCBE-4695-B319-2BF5A3A29225}"/>
+                <a16:creationId xmlns:a16="http://schemas.microsoft.com/office/drawing/2014/main" xmlns="" id="{E85420A1-FCBE-4695-B319-2BF5A3A29225}"/>
               </a:ext>
             </a:extLst>
           </p:cNvPr>
@@ -4604,7 +4610,7 @@
           <p:cNvPr id="57" name="Straight Arrow Connector 56">
             <a:extLst>
               <a:ext uri="{FF2B5EF4-FFF2-40B4-BE49-F238E27FC236}">
-                <a16:creationId xmlns:a16="http://schemas.microsoft.com/office/drawing/2014/main" id="{9B3335E7-B004-430A-860A-287AF8F36CB2}"/>
+                <a16:creationId xmlns:a16="http://schemas.microsoft.com/office/drawing/2014/main" xmlns="" id="{9B3335E7-B004-430A-860A-287AF8F36CB2}"/>
               </a:ext>
             </a:extLst>
           </p:cNvPr>
@@ -4646,7 +4652,7 @@
           <p:cNvPr id="60" name="Connector: Elbow 59">
             <a:extLst>
               <a:ext uri="{FF2B5EF4-FFF2-40B4-BE49-F238E27FC236}">
-                <a16:creationId xmlns:a16="http://schemas.microsoft.com/office/drawing/2014/main" id="{37688D36-D20D-426B-B86F-4B6D70EB5206}"/>
+                <a16:creationId xmlns:a16="http://schemas.microsoft.com/office/drawing/2014/main" xmlns="" id="{37688D36-D20D-426B-B86F-4B6D70EB5206}"/>
               </a:ext>
             </a:extLst>
           </p:cNvPr>
@@ -4688,7 +4694,7 @@
           <p:cNvPr id="61" name="Rectangle 60">
             <a:extLst>
               <a:ext uri="{FF2B5EF4-FFF2-40B4-BE49-F238E27FC236}">
-                <a16:creationId xmlns:a16="http://schemas.microsoft.com/office/drawing/2014/main" id="{78D2ACE1-C507-4C37-8DD5-09786ACE86D5}"/>
+                <a16:creationId xmlns:a16="http://schemas.microsoft.com/office/drawing/2014/main" xmlns="" id="{78D2ACE1-C507-4C37-8DD5-09786ACE86D5}"/>
               </a:ext>
             </a:extLst>
           </p:cNvPr>
@@ -4737,7 +4743,7 @@
           <p:cNvPr id="63" name="Connector: Elbow 62">
             <a:extLst>
               <a:ext uri="{FF2B5EF4-FFF2-40B4-BE49-F238E27FC236}">
-                <a16:creationId xmlns:a16="http://schemas.microsoft.com/office/drawing/2014/main" id="{DA754D12-A2F8-4714-8665-4B9F11798595}"/>
+                <a16:creationId xmlns:a16="http://schemas.microsoft.com/office/drawing/2014/main" xmlns="" id="{DA754D12-A2F8-4714-8665-4B9F11798595}"/>
               </a:ext>
             </a:extLst>
           </p:cNvPr>
@@ -4781,7 +4787,7 @@
           <p:cNvPr id="68" name="Connector: Elbow 67">
             <a:extLst>
               <a:ext uri="{FF2B5EF4-FFF2-40B4-BE49-F238E27FC236}">
-                <a16:creationId xmlns:a16="http://schemas.microsoft.com/office/drawing/2014/main" id="{6DAD06C4-9888-4279-A2A3-DF83CDF7E194}"/>
+                <a16:creationId xmlns:a16="http://schemas.microsoft.com/office/drawing/2014/main" xmlns="" id="{6DAD06C4-9888-4279-A2A3-DF83CDF7E194}"/>
               </a:ext>
             </a:extLst>
           </p:cNvPr>
@@ -4826,7 +4832,7 @@
           <p:cNvPr id="73" name="Rectangle 72">
             <a:extLst>
               <a:ext uri="{FF2B5EF4-FFF2-40B4-BE49-F238E27FC236}">
-                <a16:creationId xmlns:a16="http://schemas.microsoft.com/office/drawing/2014/main" id="{53FAE682-D3DA-4E73-91AF-7632CB7059B8}"/>
+                <a16:creationId xmlns:a16="http://schemas.microsoft.com/office/drawing/2014/main" xmlns="" id="{53FAE682-D3DA-4E73-91AF-7632CB7059B8}"/>
               </a:ext>
             </a:extLst>
           </p:cNvPr>
@@ -4875,7 +4881,7 @@
           <p:cNvPr id="74" name="Rectangle 73">
             <a:extLst>
               <a:ext uri="{FF2B5EF4-FFF2-40B4-BE49-F238E27FC236}">
-                <a16:creationId xmlns:a16="http://schemas.microsoft.com/office/drawing/2014/main" id="{AE96CB55-6586-4652-B12D-1F4FA5315C1A}"/>
+                <a16:creationId xmlns:a16="http://schemas.microsoft.com/office/drawing/2014/main" xmlns="" id="{AE96CB55-6586-4652-B12D-1F4FA5315C1A}"/>
               </a:ext>
             </a:extLst>
           </p:cNvPr>
@@ -4924,7 +4930,7 @@
           <p:cNvPr id="75" name="Rectangle: Single Corner Snipped 74">
             <a:extLst>
               <a:ext uri="{FF2B5EF4-FFF2-40B4-BE49-F238E27FC236}">
-                <a16:creationId xmlns:a16="http://schemas.microsoft.com/office/drawing/2014/main" id="{C25DABE2-835F-4181-998C-196EF4191F23}"/>
+                <a16:creationId xmlns:a16="http://schemas.microsoft.com/office/drawing/2014/main" xmlns="" id="{C25DABE2-835F-4181-998C-196EF4191F23}"/>
               </a:ext>
             </a:extLst>
           </p:cNvPr>
@@ -4971,7 +4977,7 @@
           <p:cNvPr id="76" name="Rectangle: Single Corner Snipped 75">
             <a:extLst>
               <a:ext uri="{FF2B5EF4-FFF2-40B4-BE49-F238E27FC236}">
-                <a16:creationId xmlns:a16="http://schemas.microsoft.com/office/drawing/2014/main" id="{29F74384-078B-458C-A1E0-D39B59FBF829}"/>
+                <a16:creationId xmlns:a16="http://schemas.microsoft.com/office/drawing/2014/main" xmlns="" id="{29F74384-078B-458C-A1E0-D39B59FBF829}"/>
               </a:ext>
             </a:extLst>
           </p:cNvPr>
@@ -5018,7 +5024,7 @@
           <p:cNvPr id="77" name="Rectangle 76">
             <a:extLst>
               <a:ext uri="{FF2B5EF4-FFF2-40B4-BE49-F238E27FC236}">
-                <a16:creationId xmlns:a16="http://schemas.microsoft.com/office/drawing/2014/main" id="{7BF14B2E-BA86-4965-AD3A-2C903997E2A0}"/>
+                <a16:creationId xmlns:a16="http://schemas.microsoft.com/office/drawing/2014/main" xmlns="" id="{7BF14B2E-BA86-4965-AD3A-2C903997E2A0}"/>
               </a:ext>
             </a:extLst>
           </p:cNvPr>
@@ -5076,7 +5082,7 @@
           <p:cNvPr id="79" name="Connector: Elbow 78">
             <a:extLst>
               <a:ext uri="{FF2B5EF4-FFF2-40B4-BE49-F238E27FC236}">
-                <a16:creationId xmlns:a16="http://schemas.microsoft.com/office/drawing/2014/main" id="{63FC5A9B-7FAD-433A-8247-01F0F5A04161}"/>
+                <a16:creationId xmlns:a16="http://schemas.microsoft.com/office/drawing/2014/main" xmlns="" id="{63FC5A9B-7FAD-433A-8247-01F0F5A04161}"/>
               </a:ext>
             </a:extLst>
           </p:cNvPr>
@@ -5118,7 +5124,7 @@
           <p:cNvPr id="81" name="Connector: Elbow 80">
             <a:extLst>
               <a:ext uri="{FF2B5EF4-FFF2-40B4-BE49-F238E27FC236}">
-                <a16:creationId xmlns:a16="http://schemas.microsoft.com/office/drawing/2014/main" id="{9A46723F-5050-43BB-9886-286B3BAE3507}"/>
+                <a16:creationId xmlns:a16="http://schemas.microsoft.com/office/drawing/2014/main" xmlns="" id="{9A46723F-5050-43BB-9886-286B3BAE3507}"/>
               </a:ext>
             </a:extLst>
           </p:cNvPr>
@@ -5162,7 +5168,7 @@
           <p:cNvPr id="86" name="Connector: Elbow 85">
             <a:extLst>
               <a:ext uri="{FF2B5EF4-FFF2-40B4-BE49-F238E27FC236}">
-                <a16:creationId xmlns:a16="http://schemas.microsoft.com/office/drawing/2014/main" id="{20B8836C-7F80-4D16-B17A-655CC3800047}"/>
+                <a16:creationId xmlns:a16="http://schemas.microsoft.com/office/drawing/2014/main" xmlns="" id="{20B8836C-7F80-4D16-B17A-655CC3800047}"/>
               </a:ext>
             </a:extLst>
           </p:cNvPr>
@@ -5206,7 +5212,7 @@
           <p:cNvPr id="89" name="Connector: Elbow 88">
             <a:extLst>
               <a:ext uri="{FF2B5EF4-FFF2-40B4-BE49-F238E27FC236}">
-                <a16:creationId xmlns:a16="http://schemas.microsoft.com/office/drawing/2014/main" id="{A02D9E2A-1EF0-4250-B6EA-908CFD81A4C7}"/>
+                <a16:creationId xmlns:a16="http://schemas.microsoft.com/office/drawing/2014/main" xmlns="" id="{A02D9E2A-1EF0-4250-B6EA-908CFD81A4C7}"/>
               </a:ext>
             </a:extLst>
           </p:cNvPr>
@@ -5248,7 +5254,7 @@
           <p:cNvPr id="91" name="Connector: Elbow 90">
             <a:extLst>
               <a:ext uri="{FF2B5EF4-FFF2-40B4-BE49-F238E27FC236}">
-                <a16:creationId xmlns:a16="http://schemas.microsoft.com/office/drawing/2014/main" id="{46ADD2F2-DE84-4E88-9797-4D672D370791}"/>
+                <a16:creationId xmlns:a16="http://schemas.microsoft.com/office/drawing/2014/main" xmlns="" id="{46ADD2F2-DE84-4E88-9797-4D672D370791}"/>
               </a:ext>
             </a:extLst>
           </p:cNvPr>
@@ -5290,7 +5296,7 @@
           <p:cNvPr id="92" name="Rectangle: Single Corner Snipped 91">
             <a:extLst>
               <a:ext uri="{FF2B5EF4-FFF2-40B4-BE49-F238E27FC236}">
-                <a16:creationId xmlns:a16="http://schemas.microsoft.com/office/drawing/2014/main" id="{7BCF2F10-7669-4EFC-97F8-B94622C83715}"/>
+                <a16:creationId xmlns:a16="http://schemas.microsoft.com/office/drawing/2014/main" xmlns="" id="{7BCF2F10-7669-4EFC-97F8-B94622C83715}"/>
               </a:ext>
             </a:extLst>
           </p:cNvPr>
@@ -5337,7 +5343,7 @@
           <p:cNvPr id="93" name="Rectangle: Single Corner Snipped 92">
             <a:extLst>
               <a:ext uri="{FF2B5EF4-FFF2-40B4-BE49-F238E27FC236}">
-                <a16:creationId xmlns:a16="http://schemas.microsoft.com/office/drawing/2014/main" id="{9797FA99-C069-4BC3-B2DB-800BBC813CA2}"/>
+                <a16:creationId xmlns:a16="http://schemas.microsoft.com/office/drawing/2014/main" xmlns="" id="{9797FA99-C069-4BC3-B2DB-800BBC813CA2}"/>
               </a:ext>
             </a:extLst>
           </p:cNvPr>
@@ -5384,7 +5390,7 @@
           <p:cNvPr id="116" name="Rectangle 115">
             <a:extLst>
               <a:ext uri="{FF2B5EF4-FFF2-40B4-BE49-F238E27FC236}">
-                <a16:creationId xmlns:a16="http://schemas.microsoft.com/office/drawing/2014/main" id="{F22AEA19-8669-42F8-99C9-F40561F8AFB5}"/>
+                <a16:creationId xmlns:a16="http://schemas.microsoft.com/office/drawing/2014/main" xmlns="" id="{F22AEA19-8669-42F8-99C9-F40561F8AFB5}"/>
               </a:ext>
             </a:extLst>
           </p:cNvPr>
@@ -5437,7 +5443,7 @@
           <p:cNvPr id="117" name="Rectangle 116">
             <a:extLst>
               <a:ext uri="{FF2B5EF4-FFF2-40B4-BE49-F238E27FC236}">
-                <a16:creationId xmlns:a16="http://schemas.microsoft.com/office/drawing/2014/main" id="{D2F62404-CAED-4B58-A37F-81AAA920A654}"/>
+                <a16:creationId xmlns:a16="http://schemas.microsoft.com/office/drawing/2014/main" xmlns="" id="{D2F62404-CAED-4B58-A37F-81AAA920A654}"/>
               </a:ext>
             </a:extLst>
           </p:cNvPr>
@@ -5486,7 +5492,7 @@
           <p:cNvPr id="119" name="Connector: Elbow 118">
             <a:extLst>
               <a:ext uri="{FF2B5EF4-FFF2-40B4-BE49-F238E27FC236}">
-                <a16:creationId xmlns:a16="http://schemas.microsoft.com/office/drawing/2014/main" id="{913242E5-982A-48DE-B67F-154A90A5986F}"/>
+                <a16:creationId xmlns:a16="http://schemas.microsoft.com/office/drawing/2014/main" xmlns="" id="{913242E5-982A-48DE-B67F-154A90A5986F}"/>
               </a:ext>
             </a:extLst>
           </p:cNvPr>
@@ -5530,7 +5536,7 @@
           <p:cNvPr id="121" name="Rectangle 120">
             <a:extLst>
               <a:ext uri="{FF2B5EF4-FFF2-40B4-BE49-F238E27FC236}">
-                <a16:creationId xmlns:a16="http://schemas.microsoft.com/office/drawing/2014/main" id="{26AB9058-D551-4166-B5F4-553FC632D84E}"/>
+                <a16:creationId xmlns:a16="http://schemas.microsoft.com/office/drawing/2014/main" xmlns="" id="{26AB9058-D551-4166-B5F4-553FC632D84E}"/>
               </a:ext>
             </a:extLst>
           </p:cNvPr>
@@ -5588,7 +5594,7 @@
           <p:cNvPr id="122" name="Cylinder 121">
             <a:extLst>
               <a:ext uri="{FF2B5EF4-FFF2-40B4-BE49-F238E27FC236}">
-                <a16:creationId xmlns:a16="http://schemas.microsoft.com/office/drawing/2014/main" id="{02B238C4-6BCE-4179-8182-6E5851A47FD6}"/>
+                <a16:creationId xmlns:a16="http://schemas.microsoft.com/office/drawing/2014/main" xmlns="" id="{02B238C4-6BCE-4179-8182-6E5851A47FD6}"/>
               </a:ext>
             </a:extLst>
           </p:cNvPr>
@@ -5634,7 +5640,7 @@
           <p:cNvPr id="123" name="Connector: Elbow 122">
             <a:extLst>
               <a:ext uri="{FF2B5EF4-FFF2-40B4-BE49-F238E27FC236}">
-                <a16:creationId xmlns:a16="http://schemas.microsoft.com/office/drawing/2014/main" id="{2A2C2EF8-DC08-4418-9C96-A79C280E440D}"/>
+                <a16:creationId xmlns:a16="http://schemas.microsoft.com/office/drawing/2014/main" xmlns="" id="{2A2C2EF8-DC08-4418-9C96-A79C280E440D}"/>
               </a:ext>
             </a:extLst>
           </p:cNvPr>
@@ -5677,7 +5683,7 @@
           <p:cNvPr id="124" name="Connector: Elbow 123">
             <a:extLst>
               <a:ext uri="{FF2B5EF4-FFF2-40B4-BE49-F238E27FC236}">
-                <a16:creationId xmlns:a16="http://schemas.microsoft.com/office/drawing/2014/main" id="{97D6A967-7149-498E-952A-B093FC7FFCCF}"/>
+                <a16:creationId xmlns:a16="http://schemas.microsoft.com/office/drawing/2014/main" xmlns="" id="{97D6A967-7149-498E-952A-B093FC7FFCCF}"/>
               </a:ext>
             </a:extLst>
           </p:cNvPr>
@@ -5720,7 +5726,7 @@
           <p:cNvPr id="126" name="Rectangle 125">
             <a:extLst>
               <a:ext uri="{FF2B5EF4-FFF2-40B4-BE49-F238E27FC236}">
-                <a16:creationId xmlns:a16="http://schemas.microsoft.com/office/drawing/2014/main" id="{7DA8174C-1E48-4CB1-A408-914629E09F1C}"/>
+                <a16:creationId xmlns:a16="http://schemas.microsoft.com/office/drawing/2014/main" xmlns="" id="{7DA8174C-1E48-4CB1-A408-914629E09F1C}"/>
               </a:ext>
             </a:extLst>
           </p:cNvPr>
@@ -5778,7 +5784,7 @@
           <p:cNvPr id="131" name="Straight Arrow Connector 130">
             <a:extLst>
               <a:ext uri="{FF2B5EF4-FFF2-40B4-BE49-F238E27FC236}">
-                <a16:creationId xmlns:a16="http://schemas.microsoft.com/office/drawing/2014/main" id="{BF7D33B8-610F-43CE-87A1-CAE542235CDE}"/>
+                <a16:creationId xmlns:a16="http://schemas.microsoft.com/office/drawing/2014/main" xmlns="" id="{BF7D33B8-610F-43CE-87A1-CAE542235CDE}"/>
               </a:ext>
             </a:extLst>
           </p:cNvPr>
@@ -5820,7 +5826,7 @@
           <p:cNvPr id="133" name="Straight Arrow Connector 132">
             <a:extLst>
               <a:ext uri="{FF2B5EF4-FFF2-40B4-BE49-F238E27FC236}">
-                <a16:creationId xmlns:a16="http://schemas.microsoft.com/office/drawing/2014/main" id="{9017D9A5-FD79-4FB3-ADB6-6D504A687786}"/>
+                <a16:creationId xmlns:a16="http://schemas.microsoft.com/office/drawing/2014/main" xmlns="" id="{9017D9A5-FD79-4FB3-ADB6-6D504A687786}"/>
               </a:ext>
             </a:extLst>
           </p:cNvPr>
@@ -5862,7 +5868,7 @@
           <p:cNvPr id="136" name="Connector: Elbow 135">
             <a:extLst>
               <a:ext uri="{FF2B5EF4-FFF2-40B4-BE49-F238E27FC236}">
-                <a16:creationId xmlns:a16="http://schemas.microsoft.com/office/drawing/2014/main" id="{27DC6ABE-7885-4D1E-9865-FCF38C6D462F}"/>
+                <a16:creationId xmlns:a16="http://schemas.microsoft.com/office/drawing/2014/main" xmlns="" id="{27DC6ABE-7885-4D1E-9865-FCF38C6D462F}"/>
               </a:ext>
             </a:extLst>
           </p:cNvPr>
@@ -5906,7 +5912,7 @@
           <p:cNvPr id="138" name="Rectangle 137">
             <a:extLst>
               <a:ext uri="{FF2B5EF4-FFF2-40B4-BE49-F238E27FC236}">
-                <a16:creationId xmlns:a16="http://schemas.microsoft.com/office/drawing/2014/main" id="{00A5F727-6D52-43BB-8C92-A712BC38BF69}"/>
+                <a16:creationId xmlns:a16="http://schemas.microsoft.com/office/drawing/2014/main" xmlns="" id="{00A5F727-6D52-43BB-8C92-A712BC38BF69}"/>
               </a:ext>
             </a:extLst>
           </p:cNvPr>
@@ -5969,7 +5975,7 @@
           <p:cNvPr id="140" name="Connector: Elbow 139">
             <a:extLst>
               <a:ext uri="{FF2B5EF4-FFF2-40B4-BE49-F238E27FC236}">
-                <a16:creationId xmlns:a16="http://schemas.microsoft.com/office/drawing/2014/main" id="{C2DF50B3-A0ED-49EB-AC5A-D49F903C9FC5}"/>
+                <a16:creationId xmlns:a16="http://schemas.microsoft.com/office/drawing/2014/main" xmlns="" id="{C2DF50B3-A0ED-49EB-AC5A-D49F903C9FC5}"/>
               </a:ext>
             </a:extLst>
           </p:cNvPr>
@@ -6011,7 +6017,7 @@
           <p:cNvPr id="142" name="Connector: Elbow 141">
             <a:extLst>
               <a:ext uri="{FF2B5EF4-FFF2-40B4-BE49-F238E27FC236}">
-                <a16:creationId xmlns:a16="http://schemas.microsoft.com/office/drawing/2014/main" id="{11FCAFF2-9AD9-449D-9F5C-B828F8D254DF}"/>
+                <a16:creationId xmlns:a16="http://schemas.microsoft.com/office/drawing/2014/main" xmlns="" id="{11FCAFF2-9AD9-449D-9F5C-B828F8D254DF}"/>
               </a:ext>
             </a:extLst>
           </p:cNvPr>
@@ -6053,7 +6059,7 @@
           <p:cNvPr id="145" name="Connector: Elbow 144">
             <a:extLst>
               <a:ext uri="{FF2B5EF4-FFF2-40B4-BE49-F238E27FC236}">
-                <a16:creationId xmlns:a16="http://schemas.microsoft.com/office/drawing/2014/main" id="{0BF393CB-ED61-4CA3-BFE0-FC3769D9813F}"/>
+                <a16:creationId xmlns:a16="http://schemas.microsoft.com/office/drawing/2014/main" xmlns="" id="{0BF393CB-ED61-4CA3-BFE0-FC3769D9813F}"/>
               </a:ext>
             </a:extLst>
           </p:cNvPr>
@@ -6093,6 +6099,192 @@
     <p:extLst>
       <p:ext uri="{BB962C8B-B14F-4D97-AF65-F5344CB8AC3E}">
         <p14:creationId xmlns:p14="http://schemas.microsoft.com/office/powerpoint/2010/main" val="1641644634"/>
+      </p:ext>
+    </p:extLst>
+  </p:cSld>
+  <p:clrMapOvr>
+    <a:masterClrMapping/>
+  </p:clrMapOvr>
+</p:sld>
+</file>
+
+<file path=ppt/slides/slide2.xml><?xml version="1.0" encoding="utf-8"?>
+<p:sld xmlns:a="http://schemas.openxmlformats.org/drawingml/2006/main" xmlns:r="http://schemas.openxmlformats.org/officeDocument/2006/relationships" xmlns:p="http://schemas.openxmlformats.org/presentationml/2006/main">
+  <p:cSld>
+    <p:spTree>
+      <p:nvGrpSpPr>
+        <p:cNvPr id="1" name=""/>
+        <p:cNvGrpSpPr/>
+        <p:nvPr/>
+      </p:nvGrpSpPr>
+      <p:grpSpPr>
+        <a:xfrm>
+          <a:off x="0" y="0"/>
+          <a:ext cx="0" cy="0"/>
+          <a:chOff x="0" y="0"/>
+          <a:chExt cx="0" cy="0"/>
+        </a:xfrm>
+      </p:grpSpPr>
+      <p:sp>
+        <p:nvSpPr>
+          <p:cNvPr id="2" name="Title 1"/>
+          <p:cNvSpPr>
+            <a:spLocks noGrp="1"/>
+          </p:cNvSpPr>
+          <p:nvPr>
+            <p:ph type="title"/>
+          </p:nvPr>
+        </p:nvSpPr>
+        <p:spPr/>
+        <p:txBody>
+          <a:bodyPr/>
+          <a:lstStyle/>
+          <a:p>
+            <a:r>
+              <a:rPr lang="en-GB" dirty="0" smtClean="0"/>
+              <a:t>Feature Demo</a:t>
+            </a:r>
+            <a:endParaRPr lang="en-GB" dirty="0"/>
+          </a:p>
+        </p:txBody>
+      </p:sp>
+      <p:sp>
+        <p:nvSpPr>
+          <p:cNvPr id="3" name="Content Placeholder 2"/>
+          <p:cNvSpPr>
+            <a:spLocks noGrp="1"/>
+          </p:cNvSpPr>
+          <p:nvPr>
+            <p:ph idx="1"/>
+          </p:nvPr>
+        </p:nvSpPr>
+        <p:spPr/>
+        <p:txBody>
+          <a:bodyPr>
+            <a:normAutofit/>
+          </a:bodyPr>
+          <a:lstStyle/>
+          <a:p>
+            <a:r>
+              <a:rPr lang="en-GB" dirty="0"/>
+              <a:t>Durable function workflow and how it </a:t>
+            </a:r>
+            <a:r>
+              <a:rPr lang="en-GB" dirty="0" smtClean="0"/>
+              <a:t>works</a:t>
+            </a:r>
+          </a:p>
+          <a:p>
+            <a:pPr lvl="1"/>
+            <a:r>
+              <a:rPr lang="en-GB" dirty="0" smtClean="0"/>
+              <a:t>Run a task to view the flow</a:t>
+            </a:r>
+          </a:p>
+          <a:p>
+            <a:r>
+              <a:rPr lang="en-GB" dirty="0" smtClean="0"/>
+              <a:t>Simulate </a:t>
+            </a:r>
+            <a:r>
+              <a:rPr lang="en-GB" dirty="0"/>
+              <a:t>Error on external process, fix and </a:t>
+            </a:r>
+            <a:r>
+              <a:rPr lang="en-GB" dirty="0" smtClean="0"/>
+              <a:t>continue</a:t>
+            </a:r>
+          </a:p>
+          <a:p>
+            <a:pPr lvl="1"/>
+            <a:r>
+              <a:rPr lang="en-GB" dirty="0" smtClean="0"/>
+              <a:t>When </a:t>
+            </a:r>
+            <a:r>
+              <a:rPr lang="en-GB" dirty="0" err="1"/>
+              <a:t>T</a:t>
+            </a:r>
+            <a:r>
+              <a:rPr lang="en-GB" dirty="0" err="1" smtClean="0"/>
+              <a:t>radeId</a:t>
+            </a:r>
+            <a:r>
+              <a:rPr lang="en-GB" dirty="0" smtClean="0"/>
+              <a:t> dividable by 3 then stop process.</a:t>
+            </a:r>
+            <a:endParaRPr lang="en-GB" dirty="0"/>
+          </a:p>
+          <a:p>
+            <a:r>
+              <a:rPr lang="en-GB" dirty="0"/>
+              <a:t>Durable when server is down, run task step by step.</a:t>
+            </a:r>
+          </a:p>
+          <a:p>
+            <a:r>
+              <a:rPr lang="en-GB" dirty="0"/>
+              <a:t>Wait External step when </a:t>
+            </a:r>
+            <a:r>
+              <a:rPr lang="en-GB" dirty="0" smtClean="0"/>
+              <a:t>timeout</a:t>
+            </a:r>
+          </a:p>
+          <a:p>
+            <a:pPr lvl="1"/>
+            <a:r>
+              <a:rPr lang="en-GB" dirty="0" smtClean="0"/>
+              <a:t>Change timeout to shorter time.</a:t>
+            </a:r>
+          </a:p>
+          <a:p>
+            <a:pPr lvl="1"/>
+            <a:r>
+              <a:rPr lang="en-GB" dirty="0" smtClean="0"/>
+              <a:t>How it reflect in Storage </a:t>
+            </a:r>
+            <a:r>
+              <a:rPr lang="en-GB" dirty="0"/>
+              <a:t>Tables: </a:t>
+            </a:r>
+            <a:r>
+              <a:rPr lang="en-GB" dirty="0" err="1" smtClean="0"/>
+              <a:t>TestHubNameInstances</a:t>
+            </a:r>
+            <a:endParaRPr lang="en-GB" dirty="0" smtClean="0"/>
+          </a:p>
+          <a:p>
+            <a:pPr lvl="1"/>
+            <a:r>
+              <a:rPr lang="en-GB" dirty="0" smtClean="0"/>
+              <a:t>Output status (</a:t>
+            </a:r>
+            <a:r>
+              <a:rPr lang="en-GB" dirty="0" err="1" smtClean="0"/>
+              <a:t>stateful</a:t>
+            </a:r>
+            <a:r>
+              <a:rPr lang="en-GB" dirty="0" smtClean="0"/>
+              <a:t>) tells more story</a:t>
+            </a:r>
+            <a:endParaRPr lang="en-GB" dirty="0"/>
+          </a:p>
+          <a:p>
+            <a:endParaRPr lang="en-GB" dirty="0"/>
+          </a:p>
+          <a:p>
+            <a:pPr marL="0" indent="0">
+              <a:buNone/>
+            </a:pPr>
+            <a:endParaRPr lang="en-GB" dirty="0"/>
+          </a:p>
+        </p:txBody>
+      </p:sp>
+    </p:spTree>
+    <p:extLst>
+      <p:ext uri="{BB962C8B-B14F-4D97-AF65-F5344CB8AC3E}">
+        <p14:creationId xmlns:p14="http://schemas.microsoft.com/office/powerpoint/2010/main" val="873859624"/>
       </p:ext>
     </p:extLst>
   </p:cSld>

--- a/SupportFiles/Workflow.pptx
+++ b/SupportFiles/Workflow.pptx
@@ -7,6 +7,7 @@
   <p:sldIdLst>
     <p:sldId id="256" r:id="rId2"/>
     <p:sldId id="257" r:id="rId3"/>
+    <p:sldId id="258" r:id="rId4"/>
   </p:sldIdLst>
   <p:sldSz cx="12192000" cy="6858000"/>
   <p:notesSz cx="6858000" cy="9144000"/>
@@ -6161,7 +6162,7 @@
         <p:spPr/>
         <p:txBody>
           <a:bodyPr>
-            <a:normAutofit/>
+            <a:normAutofit lnSpcReduction="10000"/>
           </a:bodyPr>
           <a:lstStyle/>
           <a:p>
@@ -6180,6 +6181,22 @@
               <a:rPr lang="en-GB" dirty="0" smtClean="0"/>
               <a:t>Run a task to view the flow</a:t>
             </a:r>
+          </a:p>
+          <a:p>
+            <a:pPr lvl="1"/>
+            <a:r>
+              <a:rPr lang="en-GB" smtClean="0"/>
+              <a:t>Visual Studio view -&gt; </a:t>
+            </a:r>
+            <a:r>
+              <a:rPr lang="en-GB" dirty="0" smtClean="0"/>
+              <a:t>Output -&gt; </a:t>
+            </a:r>
+            <a:r>
+              <a:rPr lang="en-GB" smtClean="0"/>
+              <a:t>Service Dependencies</a:t>
+            </a:r>
+            <a:endParaRPr lang="en-GB" dirty="0" smtClean="0"/>
           </a:p>
           <a:p>
             <a:r>
@@ -6285,6 +6302,182 @@
     <p:extLst>
       <p:ext uri="{BB962C8B-B14F-4D97-AF65-F5344CB8AC3E}">
         <p14:creationId xmlns:p14="http://schemas.microsoft.com/office/powerpoint/2010/main" val="873859624"/>
+      </p:ext>
+    </p:extLst>
+  </p:cSld>
+  <p:clrMapOvr>
+    <a:masterClrMapping/>
+  </p:clrMapOvr>
+</p:sld>
+</file>
+
+<file path=ppt/slides/slide3.xml><?xml version="1.0" encoding="utf-8"?>
+<p:sld xmlns:a="http://schemas.openxmlformats.org/drawingml/2006/main" xmlns:r="http://schemas.openxmlformats.org/officeDocument/2006/relationships" xmlns:p="http://schemas.openxmlformats.org/presentationml/2006/main">
+  <p:cSld>
+    <p:spTree>
+      <p:nvGrpSpPr>
+        <p:cNvPr id="1" name=""/>
+        <p:cNvGrpSpPr/>
+        <p:nvPr/>
+      </p:nvGrpSpPr>
+      <p:grpSpPr>
+        <a:xfrm>
+          <a:off x="0" y="0"/>
+          <a:ext cx="0" cy="0"/>
+          <a:chOff x="0" y="0"/>
+          <a:chExt cx="0" cy="0"/>
+        </a:xfrm>
+      </p:grpSpPr>
+      <p:sp>
+        <p:nvSpPr>
+          <p:cNvPr id="2" name="Title 1"/>
+          <p:cNvSpPr>
+            <a:spLocks noGrp="1"/>
+          </p:cNvSpPr>
+          <p:nvPr>
+            <p:ph type="title"/>
+          </p:nvPr>
+        </p:nvSpPr>
+        <p:spPr/>
+        <p:txBody>
+          <a:bodyPr/>
+          <a:lstStyle/>
+          <a:p>
+            <a:r>
+              <a:rPr lang="en-GB" dirty="0" smtClean="0"/>
+              <a:t>Useful links</a:t>
+            </a:r>
+            <a:endParaRPr lang="en-GB" dirty="0"/>
+          </a:p>
+        </p:txBody>
+      </p:sp>
+      <p:sp>
+        <p:nvSpPr>
+          <p:cNvPr id="4" name="TextBox 3"/>
+          <p:cNvSpPr txBox="1"/>
+          <p:nvPr/>
+        </p:nvSpPr>
+        <p:spPr>
+          <a:xfrm>
+            <a:off x="326255" y="2047280"/>
+            <a:ext cx="11539489" cy="3970318"/>
+          </a:xfrm>
+          <a:prstGeom prst="rect">
+            <a:avLst/>
+          </a:prstGeom>
+          <a:noFill/>
+        </p:spPr>
+        <p:txBody>
+          <a:bodyPr wrap="square" rtlCol="0">
+            <a:spAutoFit/>
+          </a:bodyPr>
+          <a:lstStyle/>
+          <a:p>
+            <a:r>
+              <a:rPr lang="en-GB" dirty="0"/>
+              <a:t>Durable Function Starter</a:t>
+            </a:r>
+          </a:p>
+          <a:p>
+            <a:r>
+              <a:rPr lang="en-GB" dirty="0">
+                <a:hlinkClick r:id="rId2"/>
+              </a:rPr>
+              <a:t>http://localhost:7071/api/CreateTradeStarter?name=Apple</a:t>
+            </a:r>
+            <a:endParaRPr lang="en-GB" dirty="0"/>
+          </a:p>
+          <a:p>
+            <a:r>
+              <a:rPr lang="en-GB" dirty="0"/>
+              <a:t> </a:t>
+            </a:r>
+          </a:p>
+          <a:p>
+            <a:r>
+              <a:rPr lang="en-GB" dirty="0"/>
+              <a:t>Check Status</a:t>
+            </a:r>
+          </a:p>
+          <a:p>
+            <a:r>
+              <a:rPr lang="en-GB" dirty="0">
+                <a:hlinkClick r:id="rId3"/>
+              </a:rPr>
+              <a:t>http://localhost:7071/runtime/webhooks/durabletask/instances/df1eeefca04c45e3bfedae1183beec17?taskHub=TestHubName&amp;connection=Storage&amp;code=AB38deHQsdl84N1JCNRNWA2hszVXIzd9ul5woQkSuVnnWsMCyeQrCA==</a:t>
+            </a:r>
+            <a:endParaRPr lang="en-GB" dirty="0"/>
+          </a:p>
+          <a:p>
+            <a:r>
+              <a:rPr lang="en-GB" dirty="0"/>
+              <a:t> </a:t>
+            </a:r>
+          </a:p>
+          <a:p>
+            <a:r>
+              <a:rPr lang="en-GB" dirty="0" err="1"/>
+              <a:t>PdfGenerator</a:t>
+            </a:r>
+            <a:endParaRPr lang="en-GB" dirty="0"/>
+          </a:p>
+          <a:p>
+            <a:r>
+              <a:rPr lang="en-GB" dirty="0">
+                <a:hlinkClick r:id="rId4"/>
+              </a:rPr>
+              <a:t>http://localhost:7072/api/DocumentBuilder</a:t>
+            </a:r>
+            <a:endParaRPr lang="en-GB" dirty="0"/>
+          </a:p>
+          <a:p>
+            <a:r>
+              <a:rPr lang="en-GB" dirty="0"/>
+              <a:t> </a:t>
+            </a:r>
+          </a:p>
+          <a:p>
+            <a:r>
+              <a:rPr lang="en-GB" dirty="0" err="1"/>
+              <a:t>Fenics</a:t>
+            </a:r>
+            <a:r>
+              <a:rPr lang="en-GB" dirty="0"/>
+              <a:t> </a:t>
+            </a:r>
+            <a:r>
+              <a:rPr lang="en-GB" dirty="0" err="1"/>
+              <a:t>Dispacher</a:t>
+            </a:r>
+            <a:endParaRPr lang="en-GB" dirty="0"/>
+          </a:p>
+          <a:p>
+            <a:r>
+              <a:rPr lang="en-GB" dirty="0">
+                <a:hlinkClick r:id="rId5"/>
+              </a:rPr>
+              <a:t>http://localhost:7076/api/FenicsFixError?TradeId=2001</a:t>
+            </a:r>
+            <a:endParaRPr lang="en-GB" dirty="0"/>
+          </a:p>
+          <a:p>
+            <a:r>
+              <a:rPr lang="en-GB" dirty="0">
+                <a:hlinkClick r:id="rId6"/>
+              </a:rPr>
+              <a:t>http://localhost:7076/api/FenicsBuilder</a:t>
+            </a:r>
+            <a:endParaRPr lang="en-GB" dirty="0"/>
+          </a:p>
+          <a:p>
+            <a:endParaRPr lang="en-GB" dirty="0"/>
+          </a:p>
+        </p:txBody>
+      </p:sp>
+    </p:spTree>
+    <p:extLst>
+      <p:ext uri="{BB962C8B-B14F-4D97-AF65-F5344CB8AC3E}">
+        <p14:creationId xmlns:p14="http://schemas.microsoft.com/office/powerpoint/2010/main" val="2915402890"/>
       </p:ext>
     </p:extLst>
   </p:cSld>

--- a/SupportFiles/Workflow.pptx
+++ b/SupportFiles/Workflow.pptx
@@ -6185,18 +6185,9 @@
           <a:p>
             <a:pPr lvl="1"/>
             <a:r>
-              <a:rPr lang="en-GB" smtClean="0"/>
-              <a:t>Visual Studio view -&gt; </a:t>
-            </a:r>
-            <a:r>
               <a:rPr lang="en-GB" dirty="0" smtClean="0"/>
-              <a:t>Output -&gt; </a:t>
-            </a:r>
-            <a:r>
-              <a:rPr lang="en-GB" smtClean="0"/>
-              <a:t>Service Dependencies</a:t>
-            </a:r>
-            <a:endParaRPr lang="en-GB" dirty="0" smtClean="0"/>
+              <a:t>Visual Studio view -&gt; Output -&gt; Service Dependencies</a:t>
+            </a:r>
           </a:p>
           <a:p>
             <a:r>
@@ -6278,8 +6269,12 @@
               <a:t>Output status (</a:t>
             </a:r>
             <a:r>
+              <a:rPr lang="en-GB" dirty="0" err="1"/>
+              <a:t>S</a:t>
+            </a:r>
+            <a:r>
               <a:rPr lang="en-GB" dirty="0" err="1" smtClean="0"/>
-              <a:t>stateful</a:t>
+              <a:t>tateful</a:t>
             </a:r>
             <a:r>
               <a:rPr lang="en-GB" dirty="0" smtClean="0"/>
